--- a/lectures/2/2_Research Design.pptx
+++ b/lectures/2/2_Research Design.pptx
@@ -5,65 +5,66 @@
     <p:sldMasterId id="2147483648" r:id="rId4"/>
   </p:sldMasterIdLst>
   <p:notesMasterIdLst>
-    <p:notesMasterId r:id="rId58"/>
+    <p:notesMasterId r:id="rId59"/>
   </p:notesMasterIdLst>
   <p:handoutMasterIdLst>
-    <p:handoutMasterId r:id="rId59"/>
+    <p:handoutMasterId r:id="rId60"/>
   </p:handoutMasterIdLst>
   <p:sldIdLst>
     <p:sldId id="256" r:id="rId5"/>
-    <p:sldId id="292" r:id="rId6"/>
-    <p:sldId id="293" r:id="rId7"/>
-    <p:sldId id="294" r:id="rId8"/>
-    <p:sldId id="295" r:id="rId9"/>
-    <p:sldId id="296" r:id="rId10"/>
-    <p:sldId id="297" r:id="rId11"/>
-    <p:sldId id="298" r:id="rId12"/>
-    <p:sldId id="299" r:id="rId13"/>
-    <p:sldId id="300" r:id="rId14"/>
-    <p:sldId id="301" r:id="rId15"/>
-    <p:sldId id="302" r:id="rId16"/>
-    <p:sldId id="303" r:id="rId17"/>
-    <p:sldId id="304" r:id="rId18"/>
-    <p:sldId id="305" r:id="rId19"/>
-    <p:sldId id="306" r:id="rId20"/>
-    <p:sldId id="307" r:id="rId21"/>
-    <p:sldId id="308" r:id="rId22"/>
-    <p:sldId id="309" r:id="rId23"/>
-    <p:sldId id="257" r:id="rId24"/>
-    <p:sldId id="258" r:id="rId25"/>
-    <p:sldId id="259" r:id="rId26"/>
-    <p:sldId id="260" r:id="rId27"/>
-    <p:sldId id="261" r:id="rId28"/>
-    <p:sldId id="262" r:id="rId29"/>
-    <p:sldId id="263" r:id="rId30"/>
-    <p:sldId id="264" r:id="rId31"/>
-    <p:sldId id="265" r:id="rId32"/>
-    <p:sldId id="266" r:id="rId33"/>
-    <p:sldId id="267" r:id="rId34"/>
-    <p:sldId id="268" r:id="rId35"/>
-    <p:sldId id="269" r:id="rId36"/>
-    <p:sldId id="270" r:id="rId37"/>
-    <p:sldId id="271" r:id="rId38"/>
-    <p:sldId id="272" r:id="rId39"/>
-    <p:sldId id="273" r:id="rId40"/>
-    <p:sldId id="274" r:id="rId41"/>
-    <p:sldId id="290" r:id="rId42"/>
-    <p:sldId id="276" r:id="rId43"/>
-    <p:sldId id="277" r:id="rId44"/>
-    <p:sldId id="278" r:id="rId45"/>
-    <p:sldId id="279" r:id="rId46"/>
-    <p:sldId id="280" r:id="rId47"/>
-    <p:sldId id="281" r:id="rId48"/>
-    <p:sldId id="282" r:id="rId49"/>
-    <p:sldId id="283" r:id="rId50"/>
-    <p:sldId id="284" r:id="rId51"/>
-    <p:sldId id="285" r:id="rId52"/>
-    <p:sldId id="286" r:id="rId53"/>
-    <p:sldId id="287" r:id="rId54"/>
-    <p:sldId id="288" r:id="rId55"/>
-    <p:sldId id="289" r:id="rId56"/>
-    <p:sldId id="291" r:id="rId57"/>
+    <p:sldId id="310" r:id="rId6"/>
+    <p:sldId id="292" r:id="rId7"/>
+    <p:sldId id="293" r:id="rId8"/>
+    <p:sldId id="294" r:id="rId9"/>
+    <p:sldId id="295" r:id="rId10"/>
+    <p:sldId id="296" r:id="rId11"/>
+    <p:sldId id="297" r:id="rId12"/>
+    <p:sldId id="298" r:id="rId13"/>
+    <p:sldId id="299" r:id="rId14"/>
+    <p:sldId id="300" r:id="rId15"/>
+    <p:sldId id="301" r:id="rId16"/>
+    <p:sldId id="302" r:id="rId17"/>
+    <p:sldId id="303" r:id="rId18"/>
+    <p:sldId id="304" r:id="rId19"/>
+    <p:sldId id="305" r:id="rId20"/>
+    <p:sldId id="306" r:id="rId21"/>
+    <p:sldId id="307" r:id="rId22"/>
+    <p:sldId id="308" r:id="rId23"/>
+    <p:sldId id="309" r:id="rId24"/>
+    <p:sldId id="257" r:id="rId25"/>
+    <p:sldId id="258" r:id="rId26"/>
+    <p:sldId id="259" r:id="rId27"/>
+    <p:sldId id="260" r:id="rId28"/>
+    <p:sldId id="261" r:id="rId29"/>
+    <p:sldId id="262" r:id="rId30"/>
+    <p:sldId id="263" r:id="rId31"/>
+    <p:sldId id="264" r:id="rId32"/>
+    <p:sldId id="265" r:id="rId33"/>
+    <p:sldId id="266" r:id="rId34"/>
+    <p:sldId id="267" r:id="rId35"/>
+    <p:sldId id="268" r:id="rId36"/>
+    <p:sldId id="269" r:id="rId37"/>
+    <p:sldId id="270" r:id="rId38"/>
+    <p:sldId id="271" r:id="rId39"/>
+    <p:sldId id="272" r:id="rId40"/>
+    <p:sldId id="273" r:id="rId41"/>
+    <p:sldId id="274" r:id="rId42"/>
+    <p:sldId id="290" r:id="rId43"/>
+    <p:sldId id="276" r:id="rId44"/>
+    <p:sldId id="277" r:id="rId45"/>
+    <p:sldId id="278" r:id="rId46"/>
+    <p:sldId id="279" r:id="rId47"/>
+    <p:sldId id="280" r:id="rId48"/>
+    <p:sldId id="281" r:id="rId49"/>
+    <p:sldId id="282" r:id="rId50"/>
+    <p:sldId id="283" r:id="rId51"/>
+    <p:sldId id="284" r:id="rId52"/>
+    <p:sldId id="285" r:id="rId53"/>
+    <p:sldId id="286" r:id="rId54"/>
+    <p:sldId id="287" r:id="rId55"/>
+    <p:sldId id="288" r:id="rId56"/>
+    <p:sldId id="289" r:id="rId57"/>
+    <p:sldId id="291" r:id="rId58"/>
   </p:sldIdLst>
   <p:sldSz cx="12192000" cy="6858000"/>
   <p:notesSz cx="6858000" cy="9144000"/>
@@ -24170,7 +24171,7 @@
           <a:p>
             <a:fld id="{73B2889B-A0AC-4482-8592-5C96F2309420}" type="datetimeFigureOut">
               <a:rPr lang="en-US" smtClean="0"/>
-              <a:t>7/3/2021</a:t>
+              <a:t>8/25/2021</a:t>
             </a:fld>
             <a:endParaRPr lang="en-US"/>
           </a:p>
@@ -24262,6 +24263,7 @@
     </p:extLst>
   </p:cSld>
   <p:clrMap bg1="lt1" tx1="dk1" bg2="lt2" tx2="dk2" accent1="accent1" accent2="accent2" accent3="accent3" accent4="accent4" accent5="accent5" accent6="accent6" hlink="hlink" folHlink="folHlink"/>
+  <p:hf hdr="0" dt="0"/>
 </p:handoutMaster>
 </file>
 
@@ -24347,7 +24349,7 @@
           <a:p>
             <a:fld id="{830EB223-FFC0-462A-A3B8-EAA7CE0F8CBD}" type="datetimeFigureOut">
               <a:rPr lang="en-US" smtClean="0"/>
-              <a:t>7/3/2021</a:t>
+              <a:t>8/25/2021</a:t>
             </a:fld>
             <a:endParaRPr lang="en-US" dirty="0"/>
           </a:p>
@@ -24519,6 +24521,7 @@
     </p:extLst>
   </p:cSld>
   <p:clrMap bg1="lt1" tx1="dk1" bg2="lt2" tx2="dk2" accent1="accent1" accent2="accent2" accent3="accent3" accent4="accent4" accent5="accent5" accent6="accent6" hlink="hlink" folHlink="folHlink"/>
+  <p:hf hdr="0" dt="0"/>
   <p:notesStyle>
     <a:lvl1pPr marL="0" algn="l" defTabSz="914400" rtl="0" eaLnBrk="1" latinLnBrk="0" hangingPunct="1">
       <a:defRPr sz="1200" kern="1200">
@@ -24685,8 +24688,33 @@
           <a:p>
             <a:fld id="{BC849E9A-41F7-4779-A581-48A7C374A227}" type="slidenum">
               <a:rPr lang="en-US" smtClean="0"/>
-              <a:t>10</a:t>
+              <a:t>11</a:t>
             </a:fld>
+            <a:endParaRPr lang="en-US" dirty="0"/>
+          </a:p>
+        </p:txBody>
+      </p:sp>
+      <p:sp>
+        <p:nvSpPr>
+          <p:cNvPr id="5" name="Footer Placeholder 4">
+            <a:extLst>
+              <a:ext uri="{FF2B5EF4-FFF2-40B4-BE49-F238E27FC236}">
+                <a16:creationId xmlns:a16="http://schemas.microsoft.com/office/drawing/2014/main" id="{4D43D4DD-F6EB-4CF2-A49D-7AA0E35D9DE1}"/>
+              </a:ext>
+            </a:extLst>
+          </p:cNvPr>
+          <p:cNvSpPr>
+            <a:spLocks noGrp="1"/>
+          </p:cNvSpPr>
+          <p:nvPr>
+            <p:ph type="ftr" sz="quarter" idx="4"/>
+          </p:nvPr>
+        </p:nvSpPr>
+        <p:spPr/>
+        <p:txBody>
+          <a:bodyPr/>
+          <a:lstStyle/>
+          <a:p>
             <a:endParaRPr lang="en-US" dirty="0"/>
           </a:p>
         </p:txBody>
@@ -24769,8 +24797,33 @@
           <a:p>
             <a:fld id="{BC849E9A-41F7-4779-A581-48A7C374A227}" type="slidenum">
               <a:rPr lang="en-US" smtClean="0"/>
-              <a:t>46</a:t>
+              <a:t>47</a:t>
             </a:fld>
+            <a:endParaRPr lang="en-US" dirty="0"/>
+          </a:p>
+        </p:txBody>
+      </p:sp>
+      <p:sp>
+        <p:nvSpPr>
+          <p:cNvPr id="5" name="Footer Placeholder 4">
+            <a:extLst>
+              <a:ext uri="{FF2B5EF4-FFF2-40B4-BE49-F238E27FC236}">
+                <a16:creationId xmlns:a16="http://schemas.microsoft.com/office/drawing/2014/main" id="{20682FAE-00D9-4A23-AA0E-1C4A63C0A409}"/>
+              </a:ext>
+            </a:extLst>
+          </p:cNvPr>
+          <p:cNvSpPr>
+            <a:spLocks noGrp="1"/>
+          </p:cNvSpPr>
+          <p:nvPr>
+            <p:ph type="ftr" sz="quarter" idx="4"/>
+          </p:nvPr>
+        </p:nvSpPr>
+        <p:spPr/>
+        <p:txBody>
+          <a:bodyPr/>
+          <a:lstStyle/>
+          <a:p>
             <a:endParaRPr lang="en-US" dirty="0"/>
           </a:p>
         </p:txBody>
@@ -24865,8 +24918,33 @@
           <a:p>
             <a:fld id="{BC849E9A-41F7-4779-A581-48A7C374A227}" type="slidenum">
               <a:rPr lang="en-US" smtClean="0"/>
-              <a:t>51</a:t>
+              <a:t>52</a:t>
             </a:fld>
+            <a:endParaRPr lang="en-US" dirty="0"/>
+          </a:p>
+        </p:txBody>
+      </p:sp>
+      <p:sp>
+        <p:nvSpPr>
+          <p:cNvPr id="5" name="Footer Placeholder 4">
+            <a:extLst>
+              <a:ext uri="{FF2B5EF4-FFF2-40B4-BE49-F238E27FC236}">
+                <a16:creationId xmlns:a16="http://schemas.microsoft.com/office/drawing/2014/main" id="{6A91C943-A326-4715-BD6D-63076D0BC56F}"/>
+              </a:ext>
+            </a:extLst>
+          </p:cNvPr>
+          <p:cNvSpPr>
+            <a:spLocks noGrp="1"/>
+          </p:cNvSpPr>
+          <p:nvPr>
+            <p:ph type="ftr" sz="quarter" idx="4"/>
+          </p:nvPr>
+        </p:nvSpPr>
+        <p:spPr/>
+        <p:txBody>
+          <a:bodyPr/>
+          <a:lstStyle/>
+          <a:p>
             <a:endParaRPr lang="en-US" dirty="0"/>
           </a:p>
         </p:txBody>
@@ -24977,8 +25055,33 @@
           <a:p>
             <a:fld id="{BC849E9A-41F7-4779-A581-48A7C374A227}" type="slidenum">
               <a:rPr lang="en-US" smtClean="0"/>
-              <a:t>15</a:t>
+              <a:t>16</a:t>
             </a:fld>
+            <a:endParaRPr lang="en-US" dirty="0"/>
+          </a:p>
+        </p:txBody>
+      </p:sp>
+      <p:sp>
+        <p:nvSpPr>
+          <p:cNvPr id="5" name="Footer Placeholder 4">
+            <a:extLst>
+              <a:ext uri="{FF2B5EF4-FFF2-40B4-BE49-F238E27FC236}">
+                <a16:creationId xmlns:a16="http://schemas.microsoft.com/office/drawing/2014/main" id="{1F42B334-10A5-43EB-94D4-33F652E75A39}"/>
+              </a:ext>
+            </a:extLst>
+          </p:cNvPr>
+          <p:cNvSpPr>
+            <a:spLocks noGrp="1"/>
+          </p:cNvSpPr>
+          <p:nvPr>
+            <p:ph type="ftr" sz="quarter" idx="4"/>
+          </p:nvPr>
+        </p:nvSpPr>
+        <p:spPr/>
+        <p:txBody>
+          <a:bodyPr/>
+          <a:lstStyle/>
+          <a:p>
             <a:endParaRPr lang="en-US" dirty="0"/>
           </a:p>
         </p:txBody>
@@ -25101,8 +25204,33 @@
           <a:p>
             <a:fld id="{BC849E9A-41F7-4779-A581-48A7C374A227}" type="slidenum">
               <a:rPr lang="en-US" smtClean="0"/>
-              <a:t>16</a:t>
+              <a:t>17</a:t>
             </a:fld>
+            <a:endParaRPr lang="en-US" dirty="0"/>
+          </a:p>
+        </p:txBody>
+      </p:sp>
+      <p:sp>
+        <p:nvSpPr>
+          <p:cNvPr id="5" name="Footer Placeholder 4">
+            <a:extLst>
+              <a:ext uri="{FF2B5EF4-FFF2-40B4-BE49-F238E27FC236}">
+                <a16:creationId xmlns:a16="http://schemas.microsoft.com/office/drawing/2014/main" id="{3782937A-2EFD-480D-A74F-0E2529531630}"/>
+              </a:ext>
+            </a:extLst>
+          </p:cNvPr>
+          <p:cNvSpPr>
+            <a:spLocks noGrp="1"/>
+          </p:cNvSpPr>
+          <p:nvPr>
+            <p:ph type="ftr" sz="quarter" idx="4"/>
+          </p:nvPr>
+        </p:nvSpPr>
+        <p:spPr/>
+        <p:txBody>
+          <a:bodyPr/>
+          <a:lstStyle/>
+          <a:p>
             <a:endParaRPr lang="en-US" dirty="0"/>
           </a:p>
         </p:txBody>
@@ -25191,8 +25319,33 @@
           <a:p>
             <a:fld id="{BC849E9A-41F7-4779-A581-48A7C374A227}" type="slidenum">
               <a:rPr lang="en-US" smtClean="0"/>
-              <a:t>21</a:t>
+              <a:t>22</a:t>
             </a:fld>
+            <a:endParaRPr lang="en-US" dirty="0"/>
+          </a:p>
+        </p:txBody>
+      </p:sp>
+      <p:sp>
+        <p:nvSpPr>
+          <p:cNvPr id="5" name="Footer Placeholder 4">
+            <a:extLst>
+              <a:ext uri="{FF2B5EF4-FFF2-40B4-BE49-F238E27FC236}">
+                <a16:creationId xmlns:a16="http://schemas.microsoft.com/office/drawing/2014/main" id="{12D7A73B-C46B-4D3E-AEFF-0CFB866A6E45}"/>
+              </a:ext>
+            </a:extLst>
+          </p:cNvPr>
+          <p:cNvSpPr>
+            <a:spLocks noGrp="1"/>
+          </p:cNvSpPr>
+          <p:nvPr>
+            <p:ph type="ftr" sz="quarter" idx="4"/>
+          </p:nvPr>
+        </p:nvSpPr>
+        <p:spPr/>
+        <p:txBody>
+          <a:bodyPr/>
+          <a:lstStyle/>
+          <a:p>
             <a:endParaRPr lang="en-US" dirty="0"/>
           </a:p>
         </p:txBody>
@@ -25278,8 +25431,33 @@
           <a:p>
             <a:fld id="{BC849E9A-41F7-4779-A581-48A7C374A227}" type="slidenum">
               <a:rPr lang="en-US" smtClean="0"/>
-              <a:t>24</a:t>
+              <a:t>25</a:t>
             </a:fld>
+            <a:endParaRPr lang="en-US" dirty="0"/>
+          </a:p>
+        </p:txBody>
+      </p:sp>
+      <p:sp>
+        <p:nvSpPr>
+          <p:cNvPr id="5" name="Footer Placeholder 4">
+            <a:extLst>
+              <a:ext uri="{FF2B5EF4-FFF2-40B4-BE49-F238E27FC236}">
+                <a16:creationId xmlns:a16="http://schemas.microsoft.com/office/drawing/2014/main" id="{3C641254-95DF-4F36-A232-A177396C92DC}"/>
+              </a:ext>
+            </a:extLst>
+          </p:cNvPr>
+          <p:cNvSpPr>
+            <a:spLocks noGrp="1"/>
+          </p:cNvSpPr>
+          <p:nvPr>
+            <p:ph type="ftr" sz="quarter" idx="4"/>
+          </p:nvPr>
+        </p:nvSpPr>
+        <p:spPr/>
+        <p:txBody>
+          <a:bodyPr/>
+          <a:lstStyle/>
+          <a:p>
             <a:endParaRPr lang="en-US" dirty="0"/>
           </a:p>
         </p:txBody>
@@ -25375,8 +25553,33 @@
           <a:p>
             <a:fld id="{BC849E9A-41F7-4779-A581-48A7C374A227}" type="slidenum">
               <a:rPr lang="en-US" smtClean="0"/>
-              <a:t>26</a:t>
+              <a:t>27</a:t>
             </a:fld>
+            <a:endParaRPr lang="en-US" dirty="0"/>
+          </a:p>
+        </p:txBody>
+      </p:sp>
+      <p:sp>
+        <p:nvSpPr>
+          <p:cNvPr id="5" name="Footer Placeholder 4">
+            <a:extLst>
+              <a:ext uri="{FF2B5EF4-FFF2-40B4-BE49-F238E27FC236}">
+                <a16:creationId xmlns:a16="http://schemas.microsoft.com/office/drawing/2014/main" id="{0B6D467B-E398-4654-A412-F7FCCE589964}"/>
+              </a:ext>
+            </a:extLst>
+          </p:cNvPr>
+          <p:cNvSpPr>
+            <a:spLocks noGrp="1"/>
+          </p:cNvSpPr>
+          <p:nvPr>
+            <p:ph type="ftr" sz="quarter" idx="4"/>
+          </p:nvPr>
+        </p:nvSpPr>
+        <p:spPr/>
+        <p:txBody>
+          <a:bodyPr/>
+          <a:lstStyle/>
+          <a:p>
             <a:endParaRPr lang="en-US" dirty="0"/>
           </a:p>
         </p:txBody>
@@ -25459,8 +25662,33 @@
           <a:p>
             <a:fld id="{BC849E9A-41F7-4779-A581-48A7C374A227}" type="slidenum">
               <a:rPr lang="en-US" smtClean="0"/>
-              <a:t>28</a:t>
+              <a:t>29</a:t>
             </a:fld>
+            <a:endParaRPr lang="en-US" dirty="0"/>
+          </a:p>
+        </p:txBody>
+      </p:sp>
+      <p:sp>
+        <p:nvSpPr>
+          <p:cNvPr id="5" name="Footer Placeholder 4">
+            <a:extLst>
+              <a:ext uri="{FF2B5EF4-FFF2-40B4-BE49-F238E27FC236}">
+                <a16:creationId xmlns:a16="http://schemas.microsoft.com/office/drawing/2014/main" id="{8F6ED94C-EE70-464E-BC49-78E7363D3FF7}"/>
+              </a:ext>
+            </a:extLst>
+          </p:cNvPr>
+          <p:cNvSpPr>
+            <a:spLocks noGrp="1"/>
+          </p:cNvSpPr>
+          <p:nvPr>
+            <p:ph type="ftr" sz="quarter" idx="4"/>
+          </p:nvPr>
+        </p:nvSpPr>
+        <p:spPr/>
+        <p:txBody>
+          <a:bodyPr/>
+          <a:lstStyle/>
+          <a:p>
             <a:endParaRPr lang="en-US" dirty="0"/>
           </a:p>
         </p:txBody>
@@ -25599,8 +25827,33 @@
           <a:p>
             <a:fld id="{BC849E9A-41F7-4779-A581-48A7C374A227}" type="slidenum">
               <a:rPr lang="en-US" smtClean="0"/>
-              <a:t>31</a:t>
+              <a:t>32</a:t>
             </a:fld>
+            <a:endParaRPr lang="en-US" dirty="0"/>
+          </a:p>
+        </p:txBody>
+      </p:sp>
+      <p:sp>
+        <p:nvSpPr>
+          <p:cNvPr id="5" name="Footer Placeholder 4">
+            <a:extLst>
+              <a:ext uri="{FF2B5EF4-FFF2-40B4-BE49-F238E27FC236}">
+                <a16:creationId xmlns:a16="http://schemas.microsoft.com/office/drawing/2014/main" id="{F3A9BBDD-7393-459F-9DEB-F475980F5ECC}"/>
+              </a:ext>
+            </a:extLst>
+          </p:cNvPr>
+          <p:cNvSpPr>
+            <a:spLocks noGrp="1"/>
+          </p:cNvSpPr>
+          <p:nvPr>
+            <p:ph type="ftr" sz="quarter" idx="4"/>
+          </p:nvPr>
+        </p:nvSpPr>
+        <p:spPr/>
+        <p:txBody>
+          <a:bodyPr/>
+          <a:lstStyle/>
+          <a:p>
             <a:endParaRPr lang="en-US" dirty="0"/>
           </a:p>
         </p:txBody>
@@ -25779,8 +26032,33 @@
           <a:p>
             <a:fld id="{BC849E9A-41F7-4779-A581-48A7C374A227}" type="slidenum">
               <a:rPr lang="en-US" smtClean="0"/>
-              <a:t>35</a:t>
+              <a:t>36</a:t>
             </a:fld>
+            <a:endParaRPr lang="en-US" dirty="0"/>
+          </a:p>
+        </p:txBody>
+      </p:sp>
+      <p:sp>
+        <p:nvSpPr>
+          <p:cNvPr id="5" name="Footer Placeholder 4">
+            <a:extLst>
+              <a:ext uri="{FF2B5EF4-FFF2-40B4-BE49-F238E27FC236}">
+                <a16:creationId xmlns:a16="http://schemas.microsoft.com/office/drawing/2014/main" id="{6CFE62A8-7169-4117-AD10-2EA9B0A2C62A}"/>
+              </a:ext>
+            </a:extLst>
+          </p:cNvPr>
+          <p:cNvSpPr>
+            <a:spLocks noGrp="1"/>
+          </p:cNvSpPr>
+          <p:nvPr>
+            <p:ph type="ftr" sz="quarter" idx="4"/>
+          </p:nvPr>
+        </p:nvSpPr>
+        <p:spPr/>
+        <p:txBody>
+          <a:bodyPr/>
+          <a:lstStyle/>
+          <a:p>
             <a:endParaRPr lang="en-US" dirty="0"/>
           </a:p>
         </p:txBody>
@@ -25943,9 +26221,9 @@
           <a:bodyPr/>
           <a:lstStyle/>
           <a:p>
-            <a:fld id="{E0E8ECAD-A4AA-4D8F-A604-DF252D7ADAF7}" type="datetime1">
+            <a:fld id="{F7B74746-4262-4E57-8ED2-B8BFCFCE3F6F}" type="datetime1">
               <a:rPr lang="en-US" smtClean="0"/>
-              <a:t>7/3/2021</a:t>
+              <a:t>8/25/2021</a:t>
             </a:fld>
             <a:endParaRPr lang="en-US" dirty="0"/>
           </a:p>
@@ -26145,9 +26423,9 @@
           <a:bodyPr/>
           <a:lstStyle/>
           <a:p>
-            <a:fld id="{41199E48-E2EE-4BF6-B510-792C297EC472}" type="datetime1">
+            <a:fld id="{CE7C0438-E74A-47B7-B284-F3C9402A183A}" type="datetime1">
               <a:rPr lang="en-US" smtClean="0"/>
-              <a:t>7/3/2021</a:t>
+              <a:t>8/25/2021</a:t>
             </a:fld>
             <a:endParaRPr lang="en-US" dirty="0"/>
           </a:p>
@@ -26357,9 +26635,9 @@
           <a:bodyPr/>
           <a:lstStyle/>
           <a:p>
-            <a:fld id="{FF1BD61A-A05A-4DB6-8B3E-B2C981F0F9CB}" type="datetime1">
+            <a:fld id="{C069724E-4927-492A-9DE6-E37B27F4CC1D}" type="datetime1">
               <a:rPr lang="en-US" smtClean="0"/>
-              <a:t>7/3/2021</a:t>
+              <a:t>8/25/2021</a:t>
             </a:fld>
             <a:endParaRPr lang="en-US" dirty="0"/>
           </a:p>
@@ -26559,9 +26837,9 @@
           <a:bodyPr/>
           <a:lstStyle/>
           <a:p>
-            <a:fld id="{081FFF10-2D01-4A65-B87A-885876ABBEAA}" type="datetime1">
+            <a:fld id="{E639ABA3-91BD-443E-9A96-898BD02A6003}" type="datetime1">
               <a:rPr lang="en-US" smtClean="0"/>
-              <a:t>7/3/2021</a:t>
+              <a:t>8/25/2021</a:t>
             </a:fld>
             <a:endParaRPr lang="en-US" dirty="0"/>
           </a:p>
@@ -26838,9 +27116,9 @@
           <a:bodyPr/>
           <a:lstStyle/>
           <a:p>
-            <a:fld id="{44BD7533-2491-4B9A-8368-24F89B049F1B}" type="datetime1">
+            <a:fld id="{6DF5F228-7256-4236-81FA-19B397050199}" type="datetime1">
               <a:rPr lang="en-US" smtClean="0"/>
-              <a:t>7/3/2021</a:t>
+              <a:t>8/25/2021</a:t>
             </a:fld>
             <a:endParaRPr lang="en-US" dirty="0"/>
           </a:p>
@@ -27107,9 +27385,9 @@
           <a:bodyPr/>
           <a:lstStyle/>
           <a:p>
-            <a:fld id="{53F9FCF9-242B-4FE8-90AB-1B0764C3C20F}" type="datetime1">
+            <a:fld id="{A5A837B9-56E0-4421-9ADB-B8A710137CAC}" type="datetime1">
               <a:rPr lang="en-US" smtClean="0"/>
-              <a:t>7/3/2021</a:t>
+              <a:t>8/25/2021</a:t>
             </a:fld>
             <a:endParaRPr lang="en-US" dirty="0"/>
           </a:p>
@@ -27523,9 +27801,9 @@
           <a:bodyPr/>
           <a:lstStyle/>
           <a:p>
-            <a:fld id="{AA706268-B6E5-45D7-9184-036A738ED98A}" type="datetime1">
+            <a:fld id="{B9EDE0AC-1AAA-4069-A3DE-E83F6256841C}" type="datetime1">
               <a:rPr lang="en-US" smtClean="0"/>
-              <a:t>7/3/2021</a:t>
+              <a:t>8/25/2021</a:t>
             </a:fld>
             <a:endParaRPr lang="en-US" dirty="0"/>
           </a:p>
@@ -27668,9 +27946,9 @@
           <a:bodyPr/>
           <a:lstStyle/>
           <a:p>
-            <a:fld id="{1B945298-2D77-4254-A5EC-E58A75384481}" type="datetime1">
+            <a:fld id="{5C62999E-A76D-43CC-869C-C966F7CDBEAD}" type="datetime1">
               <a:rPr lang="en-US" smtClean="0"/>
-              <a:t>7/3/2021</a:t>
+              <a:t>8/25/2021</a:t>
             </a:fld>
             <a:endParaRPr lang="en-US" dirty="0"/>
           </a:p>
@@ -27785,9 +28063,9 @@
           <a:bodyPr/>
           <a:lstStyle/>
           <a:p>
-            <a:fld id="{518E6AB3-919F-42BB-AE77-5228DCB1E86F}" type="datetime1">
+            <a:fld id="{80235182-F40C-4D98-B2D2-07FF9B5DB4CA}" type="datetime1">
               <a:rPr lang="en-US" smtClean="0"/>
-              <a:t>7/3/2021</a:t>
+              <a:t>8/25/2021</a:t>
             </a:fld>
             <a:endParaRPr lang="en-US" dirty="0"/>
           </a:p>
@@ -28100,9 +28378,9 @@
           <a:bodyPr/>
           <a:lstStyle/>
           <a:p>
-            <a:fld id="{3C653435-4098-44DB-ADA3-D3A797AEDC79}" type="datetime1">
+            <a:fld id="{9FA67063-8F43-4C56-A125-9BF4B1015CCB}" type="datetime1">
               <a:rPr lang="en-US" smtClean="0"/>
-              <a:t>7/3/2021</a:t>
+              <a:t>8/25/2021</a:t>
             </a:fld>
             <a:endParaRPr lang="en-US" dirty="0"/>
           </a:p>
@@ -28396,9 +28674,9 @@
           <a:bodyPr/>
           <a:lstStyle/>
           <a:p>
-            <a:fld id="{7B1B8747-B7A2-4DFA-9E1E-86BF99AB5B1A}" type="datetime1">
+            <a:fld id="{B7C4DCB2-B029-4F75-9240-1A8282562C4F}" type="datetime1">
               <a:rPr lang="en-US" smtClean="0"/>
-              <a:t>7/3/2021</a:t>
+              <a:t>8/25/2021</a:t>
             </a:fld>
             <a:endParaRPr lang="en-US" dirty="0"/>
           </a:p>
@@ -28641,9 +28919,9 @@
             </a:lvl1pPr>
           </a:lstStyle>
           <a:p>
-            <a:fld id="{2A62D439-3F83-49DD-82BB-75A23DAB71EC}" type="datetime1">
+            <a:fld id="{46334BED-9913-4A75-9A45-0D7885B24F1F}" type="datetime1">
               <a:rPr lang="en-US" smtClean="0"/>
-              <a:t>7/3/2021</a:t>
+              <a:t>8/25/2021</a:t>
             </a:fld>
             <a:endParaRPr lang="en-US" dirty="0"/>
           </a:p>
@@ -30538,6 +30816,153 @@
           <p:cNvPr id="2" name="Title 1">
             <a:extLst>
               <a:ext uri="{FF2B5EF4-FFF2-40B4-BE49-F238E27FC236}">
+                <a16:creationId xmlns:a16="http://schemas.microsoft.com/office/drawing/2014/main" id="{D2ED46BD-0D98-43ED-BAB5-5A46B1F40219}"/>
+              </a:ext>
+            </a:extLst>
+          </p:cNvPr>
+          <p:cNvSpPr>
+            <a:spLocks noGrp="1"/>
+          </p:cNvSpPr>
+          <p:nvPr>
+            <p:ph type="title"/>
+          </p:nvPr>
+        </p:nvSpPr>
+        <p:spPr/>
+        <p:txBody>
+          <a:bodyPr/>
+          <a:lstStyle/>
+          <a:p>
+            <a:r>
+              <a:rPr lang="en-US" dirty="0"/>
+              <a:t>Focus Group</a:t>
+            </a:r>
+          </a:p>
+        </p:txBody>
+      </p:sp>
+      <p:sp>
+        <p:nvSpPr>
+          <p:cNvPr id="3" name="Content Placeholder 2">
+            <a:extLst>
+              <a:ext uri="{FF2B5EF4-FFF2-40B4-BE49-F238E27FC236}">
+                <a16:creationId xmlns:a16="http://schemas.microsoft.com/office/drawing/2014/main" id="{E28447E7-0348-4B19-A6F2-60A42A4127C5}"/>
+              </a:ext>
+            </a:extLst>
+          </p:cNvPr>
+          <p:cNvSpPr>
+            <a:spLocks noGrp="1"/>
+          </p:cNvSpPr>
+          <p:nvPr>
+            <p:ph idx="1"/>
+          </p:nvPr>
+        </p:nvSpPr>
+        <p:spPr/>
+        <p:txBody>
+          <a:bodyPr/>
+          <a:lstStyle/>
+          <a:p>
+            <a:r>
+              <a:rPr lang="en-US" dirty="0"/>
+              <a:t>An interview conduct among a small number of individuals small number of individuals simultaneously; the interview relies more on group discussion than on directed questions to generate data</a:t>
+            </a:r>
+          </a:p>
+          <a:p>
+            <a:endParaRPr lang="en-US" dirty="0"/>
+          </a:p>
+        </p:txBody>
+      </p:sp>
+      <p:sp>
+        <p:nvSpPr>
+          <p:cNvPr id="4" name="Footer Placeholder 3">
+            <a:extLst>
+              <a:ext uri="{FF2B5EF4-FFF2-40B4-BE49-F238E27FC236}">
+                <a16:creationId xmlns:a16="http://schemas.microsoft.com/office/drawing/2014/main" id="{79016014-C63E-4A9C-8BF9-9AAAF5ED6595}"/>
+              </a:ext>
+            </a:extLst>
+          </p:cNvPr>
+          <p:cNvSpPr>
+            <a:spLocks noGrp="1"/>
+          </p:cNvSpPr>
+          <p:nvPr>
+            <p:ph type="ftr" sz="quarter" idx="11"/>
+          </p:nvPr>
+        </p:nvSpPr>
+        <p:spPr/>
+        <p:txBody>
+          <a:bodyPr/>
+          <a:lstStyle/>
+          <a:p>
+            <a:r>
+              <a:rPr lang="en-US"/>
+              <a:t>Mike Nguyen</a:t>
+            </a:r>
+            <a:endParaRPr lang="en-US" dirty="0"/>
+          </a:p>
+        </p:txBody>
+      </p:sp>
+      <p:sp>
+        <p:nvSpPr>
+          <p:cNvPr id="6" name="Slide Number Placeholder 5">
+            <a:extLst>
+              <a:ext uri="{FF2B5EF4-FFF2-40B4-BE49-F238E27FC236}">
+                <a16:creationId xmlns:a16="http://schemas.microsoft.com/office/drawing/2014/main" id="{2D8A9120-0044-42DB-BE1D-B7F8C0AC5E4C}"/>
+              </a:ext>
+            </a:extLst>
+          </p:cNvPr>
+          <p:cNvSpPr>
+            <a:spLocks noGrp="1"/>
+          </p:cNvSpPr>
+          <p:nvPr>
+            <p:ph type="sldNum" sz="quarter" idx="12"/>
+          </p:nvPr>
+        </p:nvSpPr>
+        <p:spPr/>
+        <p:txBody>
+          <a:bodyPr/>
+          <a:lstStyle/>
+          <a:p>
+            <a:fld id="{A6AF1B4E-90EC-4A51-B6E5-B702C054ECB0}" type="slidenum">
+              <a:rPr lang="en-US" smtClean="0"/>
+              <a:t>10</a:t>
+            </a:fld>
+            <a:endParaRPr lang="en-US" dirty="0"/>
+          </a:p>
+        </p:txBody>
+      </p:sp>
+    </p:spTree>
+    <p:extLst>
+      <p:ext uri="{BB962C8B-B14F-4D97-AF65-F5344CB8AC3E}">
+        <p14:creationId xmlns:p14="http://schemas.microsoft.com/office/powerpoint/2010/main" val="2314287935"/>
+      </p:ext>
+    </p:extLst>
+  </p:cSld>
+  <p:clrMapOvr>
+    <a:masterClrMapping/>
+  </p:clrMapOvr>
+</p:sld>
+</file>
+
+<file path=ppt/slides/slide11.xml><?xml version="1.0" encoding="utf-8"?>
+<p:sld xmlns:a="http://schemas.openxmlformats.org/drawingml/2006/main" xmlns:r="http://schemas.openxmlformats.org/officeDocument/2006/relationships" xmlns:p="http://schemas.openxmlformats.org/presentationml/2006/main">
+  <p:cSld>
+    <p:spTree>
+      <p:nvGrpSpPr>
+        <p:cNvPr id="1" name=""/>
+        <p:cNvGrpSpPr/>
+        <p:nvPr/>
+      </p:nvGrpSpPr>
+      <p:grpSpPr>
+        <a:xfrm>
+          <a:off x="0" y="0"/>
+          <a:ext cx="0" cy="0"/>
+          <a:chOff x="0" y="0"/>
+          <a:chExt cx="0" cy="0"/>
+        </a:xfrm>
+      </p:grpSpPr>
+      <p:sp>
+        <p:nvSpPr>
+          <p:cNvPr id="2" name="Title 1">
+            <a:extLst>
+              <a:ext uri="{FF2B5EF4-FFF2-40B4-BE49-F238E27FC236}">
                 <a16:creationId xmlns:a16="http://schemas.microsoft.com/office/drawing/2014/main" id="{8A5BBD02-0A04-4B71-B663-3F3888F1A560}"/>
               </a:ext>
             </a:extLst>
@@ -30647,10 +31072,10 @@
       </p:sp>
       <p:sp>
         <p:nvSpPr>
-          <p:cNvPr id="5" name="Slide Number Placeholder 4">
+          <p:cNvPr id="6" name="Slide Number Placeholder 5">
             <a:extLst>
               <a:ext uri="{FF2B5EF4-FFF2-40B4-BE49-F238E27FC236}">
-                <a16:creationId xmlns:a16="http://schemas.microsoft.com/office/drawing/2014/main" id="{18792A5A-2786-464B-AD0F-82041EA4C920}"/>
+                <a16:creationId xmlns:a16="http://schemas.microsoft.com/office/drawing/2014/main" id="{2B6D953F-E437-4F55-A09E-758748EE0A06}"/>
               </a:ext>
             </a:extLst>
           </p:cNvPr>
@@ -30668,7 +31093,7 @@
           <a:p>
             <a:fld id="{A6AF1B4E-90EC-4A51-B6E5-B702C054ECB0}" type="slidenum">
               <a:rPr lang="en-US" smtClean="0"/>
-              <a:t>10</a:t>
+              <a:t>11</a:t>
             </a:fld>
             <a:endParaRPr lang="en-US" dirty="0"/>
           </a:p>
@@ -30687,7 +31112,7 @@
 </p:sld>
 </file>
 
-<file path=ppt/slides/slide11.xml><?xml version="1.0" encoding="utf-8"?>
+<file path=ppt/slides/slide12.xml><?xml version="1.0" encoding="utf-8"?>
 <p:sld xmlns:a="http://schemas.openxmlformats.org/drawingml/2006/main" xmlns:r="http://schemas.openxmlformats.org/officeDocument/2006/relationships" xmlns:p="http://schemas.openxmlformats.org/presentationml/2006/main">
   <p:cSld>
     <p:spTree>
@@ -30811,10 +31236,10 @@
       </p:sp>
       <p:sp>
         <p:nvSpPr>
-          <p:cNvPr id="5" name="Slide Number Placeholder 4">
+          <p:cNvPr id="6" name="Slide Number Placeholder 5">
             <a:extLst>
               <a:ext uri="{FF2B5EF4-FFF2-40B4-BE49-F238E27FC236}">
-                <a16:creationId xmlns:a16="http://schemas.microsoft.com/office/drawing/2014/main" id="{57363DDE-E6AC-49A2-9BAE-74A2B86149A6}"/>
+                <a16:creationId xmlns:a16="http://schemas.microsoft.com/office/drawing/2014/main" id="{6A5DDA72-CABD-437A-93BE-5BB63F46AAD3}"/>
               </a:ext>
             </a:extLst>
           </p:cNvPr>
@@ -30832,7 +31257,7 @@
           <a:p>
             <a:fld id="{A6AF1B4E-90EC-4A51-B6E5-B702C054ECB0}" type="slidenum">
               <a:rPr lang="en-US" smtClean="0"/>
-              <a:t>11</a:t>
+              <a:t>12</a:t>
             </a:fld>
             <a:endParaRPr lang="en-US" dirty="0"/>
           </a:p>
@@ -30851,7 +31276,7 @@
 </p:sld>
 </file>
 
-<file path=ppt/slides/slide12.xml><?xml version="1.0" encoding="utf-8"?>
+<file path=ppt/slides/slide13.xml><?xml version="1.0" encoding="utf-8"?>
 <p:sld xmlns:a="http://schemas.openxmlformats.org/drawingml/2006/main" xmlns:r="http://schemas.openxmlformats.org/officeDocument/2006/relationships" xmlns:p="http://schemas.openxmlformats.org/presentationml/2006/main">
   <p:cSld>
     <p:spTree>
@@ -30991,10 +31416,10 @@
       </p:sp>
       <p:sp>
         <p:nvSpPr>
-          <p:cNvPr id="5" name="Slide Number Placeholder 4">
+          <p:cNvPr id="6" name="Slide Number Placeholder 5">
             <a:extLst>
               <a:ext uri="{FF2B5EF4-FFF2-40B4-BE49-F238E27FC236}">
-                <a16:creationId xmlns:a16="http://schemas.microsoft.com/office/drawing/2014/main" id="{E2BA06ED-2A0C-4849-869A-D97A4E4453C3}"/>
+                <a16:creationId xmlns:a16="http://schemas.microsoft.com/office/drawing/2014/main" id="{CA342F36-6652-4371-BD04-120BC32B289F}"/>
               </a:ext>
             </a:extLst>
           </p:cNvPr>
@@ -31012,7 +31437,7 @@
           <a:p>
             <a:fld id="{A6AF1B4E-90EC-4A51-B6E5-B702C054ECB0}" type="slidenum">
               <a:rPr lang="en-US" smtClean="0"/>
-              <a:t>12</a:t>
+              <a:t>13</a:t>
             </a:fld>
             <a:endParaRPr lang="en-US" dirty="0"/>
           </a:p>
@@ -31031,7 +31456,7 @@
 </p:sld>
 </file>
 
-<file path=ppt/slides/slide13.xml><?xml version="1.0" encoding="utf-8"?>
+<file path=ppt/slides/slide14.xml><?xml version="1.0" encoding="utf-8"?>
 <p:sld xmlns:a="http://schemas.openxmlformats.org/drawingml/2006/main" xmlns:r="http://schemas.openxmlformats.org/officeDocument/2006/relationships" xmlns:p="http://schemas.openxmlformats.org/presentationml/2006/main">
   <p:cSld>
     <p:spTree>
@@ -31141,10 +31566,10 @@
       </p:sp>
       <p:sp>
         <p:nvSpPr>
-          <p:cNvPr id="5" name="Slide Number Placeholder 4">
+          <p:cNvPr id="6" name="Slide Number Placeholder 5">
             <a:extLst>
               <a:ext uri="{FF2B5EF4-FFF2-40B4-BE49-F238E27FC236}">
-                <a16:creationId xmlns:a16="http://schemas.microsoft.com/office/drawing/2014/main" id="{8A584903-A156-4C39-8AA1-49C5F0C82692}"/>
+                <a16:creationId xmlns:a16="http://schemas.microsoft.com/office/drawing/2014/main" id="{9367C353-2810-4E11-958D-73F1F8403611}"/>
               </a:ext>
             </a:extLst>
           </p:cNvPr>
@@ -31162,7 +31587,7 @@
           <a:p>
             <a:fld id="{A6AF1B4E-90EC-4A51-B6E5-B702C054ECB0}" type="slidenum">
               <a:rPr lang="en-US" smtClean="0"/>
-              <a:t>13</a:t>
+              <a:t>14</a:t>
             </a:fld>
             <a:endParaRPr lang="en-US" dirty="0"/>
           </a:p>
@@ -31181,7 +31606,7 @@
 </p:sld>
 </file>
 
-<file path=ppt/slides/slide14.xml><?xml version="1.0" encoding="utf-8"?>
+<file path=ppt/slides/slide15.xml><?xml version="1.0" encoding="utf-8"?>
 <p:sld xmlns:a="http://schemas.openxmlformats.org/drawingml/2006/main" xmlns:r="http://schemas.openxmlformats.org/officeDocument/2006/relationships" xmlns:p="http://schemas.openxmlformats.org/presentationml/2006/main">
   <p:cSld>
     <p:spTree>
@@ -31300,10 +31725,10 @@
       </p:sp>
       <p:sp>
         <p:nvSpPr>
-          <p:cNvPr id="5" name="Slide Number Placeholder 4">
+          <p:cNvPr id="6" name="Slide Number Placeholder 5">
             <a:extLst>
               <a:ext uri="{FF2B5EF4-FFF2-40B4-BE49-F238E27FC236}">
-                <a16:creationId xmlns:a16="http://schemas.microsoft.com/office/drawing/2014/main" id="{76897420-DC32-48A6-817E-14B41D0C7DEC}"/>
+                <a16:creationId xmlns:a16="http://schemas.microsoft.com/office/drawing/2014/main" id="{61E98A55-6FA2-4F33-8FA1-5E4675374C35}"/>
               </a:ext>
             </a:extLst>
           </p:cNvPr>
@@ -31321,7 +31746,7 @@
           <a:p>
             <a:fld id="{A6AF1B4E-90EC-4A51-B6E5-B702C054ECB0}" type="slidenum">
               <a:rPr lang="en-US" smtClean="0"/>
-              <a:t>14</a:t>
+              <a:t>15</a:t>
             </a:fld>
             <a:endParaRPr lang="en-US" dirty="0"/>
           </a:p>
@@ -31340,7 +31765,7 @@
 </p:sld>
 </file>
 
-<file path=ppt/slides/slide15.xml><?xml version="1.0" encoding="utf-8"?>
+<file path=ppt/slides/slide16.xml><?xml version="1.0" encoding="utf-8"?>
 <p:sld xmlns:a="http://schemas.openxmlformats.org/drawingml/2006/main" xmlns:r="http://schemas.openxmlformats.org/officeDocument/2006/relationships" xmlns:p="http://schemas.openxmlformats.org/presentationml/2006/main">
   <p:cSld>
     <p:spTree>
@@ -31453,10 +31878,10 @@
       </p:sp>
       <p:sp>
         <p:nvSpPr>
-          <p:cNvPr id="5" name="Slide Number Placeholder 4">
+          <p:cNvPr id="6" name="Slide Number Placeholder 5">
             <a:extLst>
               <a:ext uri="{FF2B5EF4-FFF2-40B4-BE49-F238E27FC236}">
-                <a16:creationId xmlns:a16="http://schemas.microsoft.com/office/drawing/2014/main" id="{679AB696-CAE4-4707-BC95-619191E5EBAB}"/>
+                <a16:creationId xmlns:a16="http://schemas.microsoft.com/office/drawing/2014/main" id="{A690666E-118F-4C3E-9B12-51D9E81C7A15}"/>
               </a:ext>
             </a:extLst>
           </p:cNvPr>
@@ -31474,7 +31899,7 @@
           <a:p>
             <a:fld id="{A6AF1B4E-90EC-4A51-B6E5-B702C054ECB0}" type="slidenum">
               <a:rPr lang="en-US" smtClean="0"/>
-              <a:t>15</a:t>
+              <a:t>16</a:t>
             </a:fld>
             <a:endParaRPr lang="en-US" dirty="0"/>
           </a:p>
@@ -31493,7 +31918,7 @@
 </p:sld>
 </file>
 
-<file path=ppt/slides/slide16.xml><?xml version="1.0" encoding="utf-8"?>
+<file path=ppt/slides/slide17.xml><?xml version="1.0" encoding="utf-8"?>
 <p:sld xmlns:a="http://schemas.openxmlformats.org/drawingml/2006/main" xmlns:r="http://schemas.openxmlformats.org/officeDocument/2006/relationships" xmlns:p="http://schemas.openxmlformats.org/presentationml/2006/main">
   <p:cSld>
     <p:spTree>
@@ -31600,10 +32025,10 @@
       </p:sp>
       <p:sp>
         <p:nvSpPr>
-          <p:cNvPr id="5" name="Slide Number Placeholder 4">
+          <p:cNvPr id="6" name="Slide Number Placeholder 5">
             <a:extLst>
               <a:ext uri="{FF2B5EF4-FFF2-40B4-BE49-F238E27FC236}">
-                <a16:creationId xmlns:a16="http://schemas.microsoft.com/office/drawing/2014/main" id="{3F300647-A14E-4447-9F81-A512842CA9A1}"/>
+                <a16:creationId xmlns:a16="http://schemas.microsoft.com/office/drawing/2014/main" id="{189D314F-77D8-4EAE-81C5-E9400FA6CFE0}"/>
               </a:ext>
             </a:extLst>
           </p:cNvPr>
@@ -31621,7 +32046,7 @@
           <a:p>
             <a:fld id="{A6AF1B4E-90EC-4A51-B6E5-B702C054ECB0}" type="slidenum">
               <a:rPr lang="en-US" smtClean="0"/>
-              <a:t>16</a:t>
+              <a:t>17</a:t>
             </a:fld>
             <a:endParaRPr lang="en-US" dirty="0"/>
           </a:p>
@@ -31640,7 +32065,7 @@
 </p:sld>
 </file>
 
-<file path=ppt/slides/slide17.xml><?xml version="1.0" encoding="utf-8"?>
+<file path=ppt/slides/slide18.xml><?xml version="1.0" encoding="utf-8"?>
 <p:sld xmlns:a="http://schemas.openxmlformats.org/drawingml/2006/main" xmlns:r="http://schemas.openxmlformats.org/officeDocument/2006/relationships" xmlns:p="http://schemas.openxmlformats.org/presentationml/2006/main">
   <p:cSld>
     <p:spTree>
@@ -31744,10 +32169,10 @@
       </p:sp>
       <p:sp>
         <p:nvSpPr>
-          <p:cNvPr id="5" name="Slide Number Placeholder 4">
+          <p:cNvPr id="6" name="Slide Number Placeholder 5">
             <a:extLst>
               <a:ext uri="{FF2B5EF4-FFF2-40B4-BE49-F238E27FC236}">
-                <a16:creationId xmlns:a16="http://schemas.microsoft.com/office/drawing/2014/main" id="{9D4D327E-9A33-4014-A614-CB5BFA947B31}"/>
+                <a16:creationId xmlns:a16="http://schemas.microsoft.com/office/drawing/2014/main" id="{EA1775D0-D801-436F-A10E-D8841C95B48A}"/>
               </a:ext>
             </a:extLst>
           </p:cNvPr>
@@ -31765,7 +32190,7 @@
           <a:p>
             <a:fld id="{A6AF1B4E-90EC-4A51-B6E5-B702C054ECB0}" type="slidenum">
               <a:rPr lang="en-US" smtClean="0"/>
-              <a:t>17</a:t>
+              <a:t>18</a:t>
             </a:fld>
             <a:endParaRPr lang="en-US" dirty="0"/>
           </a:p>
@@ -31784,7 +32209,7 @@
 </p:sld>
 </file>
 
-<file path=ppt/slides/slide18.xml><?xml version="1.0" encoding="utf-8"?>
+<file path=ppt/slides/slide19.xml><?xml version="1.0" encoding="utf-8"?>
 <p:sld xmlns:a="http://schemas.openxmlformats.org/drawingml/2006/main" xmlns:r="http://schemas.openxmlformats.org/officeDocument/2006/relationships" xmlns:p="http://schemas.openxmlformats.org/presentationml/2006/main">
   <p:cSld>
     <p:spTree>
@@ -31888,10 +32313,10 @@
       </p:sp>
       <p:sp>
         <p:nvSpPr>
-          <p:cNvPr id="5" name="Slide Number Placeholder 4">
+          <p:cNvPr id="6" name="Slide Number Placeholder 5">
             <a:extLst>
               <a:ext uri="{FF2B5EF4-FFF2-40B4-BE49-F238E27FC236}">
-                <a16:creationId xmlns:a16="http://schemas.microsoft.com/office/drawing/2014/main" id="{5D5B482E-B40D-4FCB-9B61-54523ACB3F43}"/>
+                <a16:creationId xmlns:a16="http://schemas.microsoft.com/office/drawing/2014/main" id="{EC3192F9-CD67-446F-B9C1-B84E75B26C7B}"/>
               </a:ext>
             </a:extLst>
           </p:cNvPr>
@@ -31909,7 +32334,7 @@
           <a:p>
             <a:fld id="{A6AF1B4E-90EC-4A51-B6E5-B702C054ECB0}" type="slidenum">
               <a:rPr lang="en-US" smtClean="0"/>
-              <a:t>18</a:t>
+              <a:t>19</a:t>
             </a:fld>
             <a:endParaRPr lang="en-US" dirty="0"/>
           </a:p>
@@ -31928,7 +32353,148 @@
 </p:sld>
 </file>
 
-<file path=ppt/slides/slide19.xml><?xml version="1.0" encoding="utf-8"?>
+<file path=ppt/slides/slide2.xml><?xml version="1.0" encoding="utf-8"?>
+<p:sld xmlns:a="http://schemas.openxmlformats.org/drawingml/2006/main" xmlns:r="http://schemas.openxmlformats.org/officeDocument/2006/relationships" xmlns:p="http://schemas.openxmlformats.org/presentationml/2006/main">
+  <p:cSld>
+    <p:spTree>
+      <p:nvGrpSpPr>
+        <p:cNvPr id="1" name=""/>
+        <p:cNvGrpSpPr/>
+        <p:nvPr/>
+      </p:nvGrpSpPr>
+      <p:grpSpPr>
+        <a:xfrm>
+          <a:off x="0" y="0"/>
+          <a:ext cx="0" cy="0"/>
+          <a:chOff x="0" y="0"/>
+          <a:chExt cx="0" cy="0"/>
+        </a:xfrm>
+      </p:grpSpPr>
+      <p:sp>
+        <p:nvSpPr>
+          <p:cNvPr id="2" name="Title 1">
+            <a:extLst>
+              <a:ext uri="{FF2B5EF4-FFF2-40B4-BE49-F238E27FC236}">
+                <a16:creationId xmlns:a16="http://schemas.microsoft.com/office/drawing/2014/main" id="{7512A12A-1239-43E4-B8BD-F11CE06D550F}"/>
+              </a:ext>
+            </a:extLst>
+          </p:cNvPr>
+          <p:cNvSpPr>
+            <a:spLocks noGrp="1"/>
+          </p:cNvSpPr>
+          <p:nvPr>
+            <p:ph type="title"/>
+          </p:nvPr>
+        </p:nvSpPr>
+        <p:spPr/>
+        <p:txBody>
+          <a:bodyPr/>
+          <a:lstStyle/>
+          <a:p>
+            <a:r>
+              <a:rPr lang="en-US" dirty="0"/>
+              <a:t>Recap</a:t>
+            </a:r>
+          </a:p>
+        </p:txBody>
+      </p:sp>
+      <p:sp>
+        <p:nvSpPr>
+          <p:cNvPr id="3" name="Content Placeholder 2">
+            <a:extLst>
+              <a:ext uri="{FF2B5EF4-FFF2-40B4-BE49-F238E27FC236}">
+                <a16:creationId xmlns:a16="http://schemas.microsoft.com/office/drawing/2014/main" id="{5B34BEB4-43E3-465B-8249-64C68BC960C8}"/>
+              </a:ext>
+            </a:extLst>
+          </p:cNvPr>
+          <p:cNvSpPr>
+            <a:spLocks noGrp="1"/>
+          </p:cNvSpPr>
+          <p:nvPr>
+            <p:ph idx="1"/>
+          </p:nvPr>
+        </p:nvSpPr>
+        <p:spPr/>
+        <p:txBody>
+          <a:bodyPr/>
+          <a:lstStyle/>
+          <a:p>
+            <a:endParaRPr lang="en-US"/>
+          </a:p>
+        </p:txBody>
+      </p:sp>
+      <p:sp>
+        <p:nvSpPr>
+          <p:cNvPr id="4" name="Footer Placeholder 3">
+            <a:extLst>
+              <a:ext uri="{FF2B5EF4-FFF2-40B4-BE49-F238E27FC236}">
+                <a16:creationId xmlns:a16="http://schemas.microsoft.com/office/drawing/2014/main" id="{D3107649-6F0A-42E7-9D5E-00794E2676AF}"/>
+              </a:ext>
+            </a:extLst>
+          </p:cNvPr>
+          <p:cNvSpPr>
+            <a:spLocks noGrp="1"/>
+          </p:cNvSpPr>
+          <p:nvPr>
+            <p:ph type="ftr" sz="quarter" idx="11"/>
+          </p:nvPr>
+        </p:nvSpPr>
+        <p:spPr/>
+        <p:txBody>
+          <a:bodyPr/>
+          <a:lstStyle/>
+          <a:p>
+            <a:r>
+              <a:rPr lang="en-US"/>
+              <a:t>Mike Nguyen</a:t>
+            </a:r>
+            <a:endParaRPr lang="en-US" dirty="0"/>
+          </a:p>
+        </p:txBody>
+      </p:sp>
+      <p:sp>
+        <p:nvSpPr>
+          <p:cNvPr id="5" name="Slide Number Placeholder 4">
+            <a:extLst>
+              <a:ext uri="{FF2B5EF4-FFF2-40B4-BE49-F238E27FC236}">
+                <a16:creationId xmlns:a16="http://schemas.microsoft.com/office/drawing/2014/main" id="{EBFB630C-DB39-4E62-B60D-269AB45DFFCE}"/>
+              </a:ext>
+            </a:extLst>
+          </p:cNvPr>
+          <p:cNvSpPr>
+            <a:spLocks noGrp="1"/>
+          </p:cNvSpPr>
+          <p:nvPr>
+            <p:ph type="sldNum" sz="quarter" idx="12"/>
+          </p:nvPr>
+        </p:nvSpPr>
+        <p:spPr/>
+        <p:txBody>
+          <a:bodyPr/>
+          <a:lstStyle/>
+          <a:p>
+            <a:fld id="{A6AF1B4E-90EC-4A51-B6E5-B702C054ECB0}" type="slidenum">
+              <a:rPr lang="en-US" smtClean="0"/>
+              <a:t>2</a:t>
+            </a:fld>
+            <a:endParaRPr lang="en-US" dirty="0"/>
+          </a:p>
+        </p:txBody>
+      </p:sp>
+    </p:spTree>
+    <p:extLst>
+      <p:ext uri="{BB962C8B-B14F-4D97-AF65-F5344CB8AC3E}">
+        <p14:creationId xmlns:p14="http://schemas.microsoft.com/office/powerpoint/2010/main" val="596990389"/>
+      </p:ext>
+    </p:extLst>
+  </p:cSld>
+  <p:clrMapOvr>
+    <a:masterClrMapping/>
+  </p:clrMapOvr>
+</p:sld>
+</file>
+
+<file path=ppt/slides/slide20.xml><?xml version="1.0" encoding="utf-8"?>
 <p:sld xmlns:a="http://schemas.openxmlformats.org/drawingml/2006/main" xmlns:r="http://schemas.openxmlformats.org/officeDocument/2006/relationships" xmlns:p="http://schemas.openxmlformats.org/presentationml/2006/main">
   <p:cSld>
     <p:spTree>
@@ -32060,10 +32626,10 @@
       </p:sp>
       <p:sp>
         <p:nvSpPr>
-          <p:cNvPr id="5" name="Slide Number Placeholder 4">
+          <p:cNvPr id="6" name="Slide Number Placeholder 5">
             <a:extLst>
               <a:ext uri="{FF2B5EF4-FFF2-40B4-BE49-F238E27FC236}">
-                <a16:creationId xmlns:a16="http://schemas.microsoft.com/office/drawing/2014/main" id="{8996E3E6-9790-4C38-A5C0-7D8BA9724464}"/>
+                <a16:creationId xmlns:a16="http://schemas.microsoft.com/office/drawing/2014/main" id="{FA34CCCF-FA9D-45A3-B903-F671F997F385}"/>
               </a:ext>
             </a:extLst>
           </p:cNvPr>
@@ -32081,7 +32647,7 @@
           <a:p>
             <a:fld id="{A6AF1B4E-90EC-4A51-B6E5-B702C054ECB0}" type="slidenum">
               <a:rPr lang="en-US" smtClean="0"/>
-              <a:t>19</a:t>
+              <a:t>20</a:t>
             </a:fld>
             <a:endParaRPr lang="en-US" dirty="0"/>
           </a:p>
@@ -32100,195 +32666,7 @@
 </p:sld>
 </file>
 
-<file path=ppt/slides/slide2.xml><?xml version="1.0" encoding="utf-8"?>
-<p:sld xmlns:a="http://schemas.openxmlformats.org/drawingml/2006/main" xmlns:r="http://schemas.openxmlformats.org/officeDocument/2006/relationships" xmlns:p="http://schemas.openxmlformats.org/presentationml/2006/main">
-  <p:cSld>
-    <p:spTree>
-      <p:nvGrpSpPr>
-        <p:cNvPr id="1" name=""/>
-        <p:cNvGrpSpPr/>
-        <p:nvPr/>
-      </p:nvGrpSpPr>
-      <p:grpSpPr>
-        <a:xfrm>
-          <a:off x="0" y="0"/>
-          <a:ext cx="0" cy="0"/>
-          <a:chOff x="0" y="0"/>
-          <a:chExt cx="0" cy="0"/>
-        </a:xfrm>
-      </p:grpSpPr>
-      <p:sp>
-        <p:nvSpPr>
-          <p:cNvPr id="2" name="Title 1">
-            <a:extLst>
-              <a:ext uri="{FF2B5EF4-FFF2-40B4-BE49-F238E27FC236}">
-                <a16:creationId xmlns:a16="http://schemas.microsoft.com/office/drawing/2014/main" id="{95D45144-38FB-438E-AB3E-2319EEB3484B}"/>
-              </a:ext>
-            </a:extLst>
-          </p:cNvPr>
-          <p:cNvSpPr>
-            <a:spLocks noGrp="1"/>
-          </p:cNvSpPr>
-          <p:nvPr>
-            <p:ph type="title"/>
-          </p:nvPr>
-        </p:nvSpPr>
-        <p:spPr/>
-        <p:txBody>
-          <a:bodyPr/>
-          <a:lstStyle/>
-          <a:p>
-            <a:r>
-              <a:rPr lang="en-US" dirty="0"/>
-              <a:t>Learning Objectives</a:t>
-            </a:r>
-          </a:p>
-        </p:txBody>
-      </p:sp>
-      <p:sp>
-        <p:nvSpPr>
-          <p:cNvPr id="3" name="Content Placeholder 2">
-            <a:extLst>
-              <a:ext uri="{FF2B5EF4-FFF2-40B4-BE49-F238E27FC236}">
-                <a16:creationId xmlns:a16="http://schemas.microsoft.com/office/drawing/2014/main" id="{012E8FF6-1F2A-41B0-8BFA-09EC58CE0DD5}"/>
-              </a:ext>
-            </a:extLst>
-          </p:cNvPr>
-          <p:cNvSpPr>
-            <a:spLocks noGrp="1"/>
-          </p:cNvSpPr>
-          <p:nvPr>
-            <p:ph idx="1"/>
-          </p:nvPr>
-        </p:nvSpPr>
-        <p:spPr/>
-        <p:txBody>
-          <a:bodyPr/>
-          <a:lstStyle/>
-          <a:p>
-            <a:pPr marL="514350" indent="-514350">
-              <a:buFont typeface="+mj-lt"/>
-              <a:buAutoNum type="arabicPeriod"/>
-            </a:pPr>
-            <a:r>
-              <a:rPr lang="en-US" dirty="0"/>
-              <a:t>Describe the basic uses of exploratory research </a:t>
-            </a:r>
-          </a:p>
-          <a:p>
-            <a:pPr marL="514350" indent="-514350">
-              <a:buFont typeface="+mj-lt"/>
-              <a:buAutoNum type="arabicPeriod"/>
-            </a:pPr>
-            <a:r>
-              <a:rPr lang="en-US" dirty="0"/>
-              <a:t>Specify the key characteristics of exploratory research. Small scale and very flexible studies are used to generate ideas and insights </a:t>
-            </a:r>
-          </a:p>
-          <a:p>
-            <a:pPr marL="514350" indent="-514350">
-              <a:buFont typeface="+mj-lt"/>
-              <a:buAutoNum type="arabicPeriod"/>
-            </a:pPr>
-            <a:r>
-              <a:rPr lang="en-US" dirty="0"/>
-              <a:t>Discuss the various types of exploratory research and describe each </a:t>
-            </a:r>
-          </a:p>
-          <a:p>
-            <a:pPr marL="514350" indent="-514350">
-              <a:buFont typeface="+mj-lt"/>
-              <a:buAutoNum type="arabicPeriod"/>
-            </a:pPr>
-            <a:r>
-              <a:rPr lang="en-US" dirty="0"/>
-              <a:t>Identify the key person in a focus group</a:t>
-            </a:r>
-          </a:p>
-          <a:p>
-            <a:pPr marL="514350" indent="-514350">
-              <a:buFont typeface="+mj-lt"/>
-              <a:buAutoNum type="arabicPeriod"/>
-            </a:pPr>
-            <a:r>
-              <a:rPr lang="en-US" dirty="0"/>
-              <a:t>Discuss two major pitfalls to avoid with focus groups (or any other form of exploratory research). </a:t>
-            </a:r>
-          </a:p>
-        </p:txBody>
-      </p:sp>
-      <p:sp>
-        <p:nvSpPr>
-          <p:cNvPr id="4" name="Footer Placeholder 3">
-            <a:extLst>
-              <a:ext uri="{FF2B5EF4-FFF2-40B4-BE49-F238E27FC236}">
-                <a16:creationId xmlns:a16="http://schemas.microsoft.com/office/drawing/2014/main" id="{A396BBCE-8FC3-4F11-9454-416129AB650B}"/>
-              </a:ext>
-            </a:extLst>
-          </p:cNvPr>
-          <p:cNvSpPr>
-            <a:spLocks noGrp="1"/>
-          </p:cNvSpPr>
-          <p:nvPr>
-            <p:ph type="ftr" sz="quarter" idx="11"/>
-          </p:nvPr>
-        </p:nvSpPr>
-        <p:spPr/>
-        <p:txBody>
-          <a:bodyPr/>
-          <a:lstStyle/>
-          <a:p>
-            <a:r>
-              <a:rPr lang="en-US"/>
-              <a:t>Mike Nguyen</a:t>
-            </a:r>
-            <a:endParaRPr lang="en-US" dirty="0"/>
-          </a:p>
-        </p:txBody>
-      </p:sp>
-      <p:sp>
-        <p:nvSpPr>
-          <p:cNvPr id="5" name="Slide Number Placeholder 4">
-            <a:extLst>
-              <a:ext uri="{FF2B5EF4-FFF2-40B4-BE49-F238E27FC236}">
-                <a16:creationId xmlns:a16="http://schemas.microsoft.com/office/drawing/2014/main" id="{C1A88B1A-7170-4C53-A26D-0A6AF363E2C2}"/>
-              </a:ext>
-            </a:extLst>
-          </p:cNvPr>
-          <p:cNvSpPr>
-            <a:spLocks noGrp="1"/>
-          </p:cNvSpPr>
-          <p:nvPr>
-            <p:ph type="sldNum" sz="quarter" idx="12"/>
-          </p:nvPr>
-        </p:nvSpPr>
-        <p:spPr/>
-        <p:txBody>
-          <a:bodyPr/>
-          <a:lstStyle/>
-          <a:p>
-            <a:fld id="{A6AF1B4E-90EC-4A51-B6E5-B702C054ECB0}" type="slidenum">
-              <a:rPr lang="en-US" smtClean="0"/>
-              <a:t>2</a:t>
-            </a:fld>
-            <a:endParaRPr lang="en-US" dirty="0"/>
-          </a:p>
-        </p:txBody>
-      </p:sp>
-    </p:spTree>
-    <p:extLst>
-      <p:ext uri="{BB962C8B-B14F-4D97-AF65-F5344CB8AC3E}">
-        <p14:creationId xmlns:p14="http://schemas.microsoft.com/office/powerpoint/2010/main" val="1613986525"/>
-      </p:ext>
-    </p:extLst>
-  </p:cSld>
-  <p:clrMapOvr>
-    <a:masterClrMapping/>
-  </p:clrMapOvr>
-</p:sld>
-</file>
-
-<file path=ppt/slides/slide20.xml><?xml version="1.0" encoding="utf-8"?>
+<file path=ppt/slides/slide21.xml><?xml version="1.0" encoding="utf-8"?>
 <p:sld xmlns:a="http://schemas.openxmlformats.org/drawingml/2006/main" xmlns:r="http://schemas.openxmlformats.org/officeDocument/2006/relationships" xmlns:p="http://schemas.openxmlformats.org/presentationml/2006/main">
   <p:cSld>
     <p:bg>
@@ -32942,10 +33320,10 @@
       </p:sp>
       <p:sp>
         <p:nvSpPr>
-          <p:cNvPr id="5" name="Slide Number Placeholder 4">
+          <p:cNvPr id="6" name="Slide Number Placeholder 5">
             <a:extLst>
               <a:ext uri="{FF2B5EF4-FFF2-40B4-BE49-F238E27FC236}">
-                <a16:creationId xmlns:a16="http://schemas.microsoft.com/office/drawing/2014/main" id="{676256ED-8085-4A46-89DE-7E8AD0C89B79}"/>
+                <a16:creationId xmlns:a16="http://schemas.microsoft.com/office/drawing/2014/main" id="{C2CDA767-07F2-4522-B7BD-3916DDCA171F}"/>
               </a:ext>
             </a:extLst>
           </p:cNvPr>
@@ -32963,7 +33341,7 @@
           <a:p>
             <a:fld id="{A6AF1B4E-90EC-4A51-B6E5-B702C054ECB0}" type="slidenum">
               <a:rPr lang="en-US" smtClean="0"/>
-              <a:t>20</a:t>
+              <a:t>21</a:t>
             </a:fld>
             <a:endParaRPr lang="en-US" dirty="0"/>
           </a:p>
@@ -32982,7 +33360,7 @@
 </p:sld>
 </file>
 
-<file path=ppt/slides/slide21.xml><?xml version="1.0" encoding="utf-8"?>
+<file path=ppt/slides/slide22.xml><?xml version="1.0" encoding="utf-8"?>
 <p:sld xmlns:a="http://schemas.openxmlformats.org/drawingml/2006/main" xmlns:r="http://schemas.openxmlformats.org/officeDocument/2006/relationships" xmlns:p="http://schemas.openxmlformats.org/presentationml/2006/main">
   <p:cSld>
     <p:bg>
@@ -33930,10 +34308,10 @@
       </p:sp>
       <p:sp>
         <p:nvSpPr>
-          <p:cNvPr id="4" name="Slide Number Placeholder 3">
+          <p:cNvPr id="6" name="Slide Number Placeholder 5">
             <a:extLst>
               <a:ext uri="{FF2B5EF4-FFF2-40B4-BE49-F238E27FC236}">
-                <a16:creationId xmlns:a16="http://schemas.microsoft.com/office/drawing/2014/main" id="{0BA50DA8-3241-4F04-827D-66EFDA560460}"/>
+                <a16:creationId xmlns:a16="http://schemas.microsoft.com/office/drawing/2014/main" id="{9E6819D4-422E-456D-B5CF-960A509F062C}"/>
               </a:ext>
             </a:extLst>
           </p:cNvPr>
@@ -33951,7 +34329,7 @@
           <a:p>
             <a:fld id="{A6AF1B4E-90EC-4A51-B6E5-B702C054ECB0}" type="slidenum">
               <a:rPr lang="en-US" smtClean="0"/>
-              <a:t>21</a:t>
+              <a:t>22</a:t>
             </a:fld>
             <a:endParaRPr lang="en-US" dirty="0"/>
           </a:p>
@@ -33970,7 +34348,7 @@
 </p:sld>
 </file>
 
-<file path=ppt/slides/slide22.xml><?xml version="1.0" encoding="utf-8"?>
+<file path=ppt/slides/slide23.xml><?xml version="1.0" encoding="utf-8"?>
 <p:sld xmlns:a="http://schemas.openxmlformats.org/drawingml/2006/main" xmlns:r="http://schemas.openxmlformats.org/officeDocument/2006/relationships" xmlns:p="http://schemas.openxmlformats.org/presentationml/2006/main">
   <p:cSld>
     <p:bg>
@@ -34632,10 +35010,10 @@
       </p:sp>
       <p:sp>
         <p:nvSpPr>
-          <p:cNvPr id="5" name="Slide Number Placeholder 4">
+          <p:cNvPr id="6" name="Slide Number Placeholder 5">
             <a:extLst>
               <a:ext uri="{FF2B5EF4-FFF2-40B4-BE49-F238E27FC236}">
-                <a16:creationId xmlns:a16="http://schemas.microsoft.com/office/drawing/2014/main" id="{E95A6628-14B3-4B78-9101-E1E7899DE103}"/>
+                <a16:creationId xmlns:a16="http://schemas.microsoft.com/office/drawing/2014/main" id="{688C1137-7002-4AA6-8C75-B712D6C87F6D}"/>
               </a:ext>
             </a:extLst>
           </p:cNvPr>
@@ -34653,7 +35031,7 @@
           <a:p>
             <a:fld id="{A6AF1B4E-90EC-4A51-B6E5-B702C054ECB0}" type="slidenum">
               <a:rPr lang="en-US" smtClean="0"/>
-              <a:t>22</a:t>
+              <a:t>23</a:t>
             </a:fld>
             <a:endParaRPr lang="en-US" dirty="0"/>
           </a:p>
@@ -34672,7 +35050,7 @@
 </p:sld>
 </file>
 
-<file path=ppt/slides/slide23.xml><?xml version="1.0" encoding="utf-8"?>
+<file path=ppt/slides/slide24.xml><?xml version="1.0" encoding="utf-8"?>
 <p:sld xmlns:a="http://schemas.openxmlformats.org/drawingml/2006/main" xmlns:r="http://schemas.openxmlformats.org/officeDocument/2006/relationships" xmlns:p="http://schemas.openxmlformats.org/presentationml/2006/main">
   <p:cSld>
     <p:bg>
@@ -35358,10 +35736,10 @@
       </p:sp>
       <p:sp>
         <p:nvSpPr>
-          <p:cNvPr id="5" name="Slide Number Placeholder 4">
+          <p:cNvPr id="6" name="Slide Number Placeholder 5">
             <a:extLst>
               <a:ext uri="{FF2B5EF4-FFF2-40B4-BE49-F238E27FC236}">
-                <a16:creationId xmlns:a16="http://schemas.microsoft.com/office/drawing/2014/main" id="{11B429E3-08B7-4F65-B732-41148B65A941}"/>
+                <a16:creationId xmlns:a16="http://schemas.microsoft.com/office/drawing/2014/main" id="{5E53814B-746F-4DF0-829F-A9A9ABD1D344}"/>
               </a:ext>
             </a:extLst>
           </p:cNvPr>
@@ -35379,7 +35757,7 @@
           <a:p>
             <a:fld id="{A6AF1B4E-90EC-4A51-B6E5-B702C054ECB0}" type="slidenum">
               <a:rPr lang="en-US" smtClean="0"/>
-              <a:t>23</a:t>
+              <a:t>24</a:t>
             </a:fld>
             <a:endParaRPr lang="en-US" dirty="0"/>
           </a:p>
@@ -35398,7 +35776,7 @@
 </p:sld>
 </file>
 
-<file path=ppt/slides/slide24.xml><?xml version="1.0" encoding="utf-8"?>
+<file path=ppt/slides/slide25.xml><?xml version="1.0" encoding="utf-8"?>
 <p:sld xmlns:a="http://schemas.openxmlformats.org/drawingml/2006/main" xmlns:r="http://schemas.openxmlformats.org/officeDocument/2006/relationships" xmlns:p="http://schemas.openxmlformats.org/presentationml/2006/main">
   <p:cSld>
     <p:bg>
@@ -35906,10 +36284,10 @@
       </p:sp>
       <p:sp>
         <p:nvSpPr>
-          <p:cNvPr id="5" name="Slide Number Placeholder 4">
+          <p:cNvPr id="6" name="Slide Number Placeholder 5">
             <a:extLst>
               <a:ext uri="{FF2B5EF4-FFF2-40B4-BE49-F238E27FC236}">
-                <a16:creationId xmlns:a16="http://schemas.microsoft.com/office/drawing/2014/main" id="{4AAAED6D-B5BC-4EEB-892F-C722DA9C02F1}"/>
+                <a16:creationId xmlns:a16="http://schemas.microsoft.com/office/drawing/2014/main" id="{2809E118-F666-4925-A841-49E078DB0ABB}"/>
               </a:ext>
             </a:extLst>
           </p:cNvPr>
@@ -35927,7 +36305,7 @@
           <a:p>
             <a:fld id="{A6AF1B4E-90EC-4A51-B6E5-B702C054ECB0}" type="slidenum">
               <a:rPr lang="en-US" smtClean="0"/>
-              <a:t>24</a:t>
+              <a:t>25</a:t>
             </a:fld>
             <a:endParaRPr lang="en-US" dirty="0"/>
           </a:p>
@@ -35946,7 +36324,7 @@
 </p:sld>
 </file>
 
-<file path=ppt/slides/slide25.xml><?xml version="1.0" encoding="utf-8"?>
+<file path=ppt/slides/slide26.xml><?xml version="1.0" encoding="utf-8"?>
 <p:sld xmlns:a="http://schemas.openxmlformats.org/drawingml/2006/main" xmlns:r="http://schemas.openxmlformats.org/officeDocument/2006/relationships" xmlns:p="http://schemas.openxmlformats.org/presentationml/2006/main">
   <p:cSld>
     <p:bg>
@@ -36497,10 +36875,10 @@
       </p:sp>
       <p:sp>
         <p:nvSpPr>
-          <p:cNvPr id="5" name="Slide Number Placeholder 4">
+          <p:cNvPr id="6" name="Slide Number Placeholder 5">
             <a:extLst>
               <a:ext uri="{FF2B5EF4-FFF2-40B4-BE49-F238E27FC236}">
-                <a16:creationId xmlns:a16="http://schemas.microsoft.com/office/drawing/2014/main" id="{F08BD382-2D63-47E0-B527-923D2B465D67}"/>
+                <a16:creationId xmlns:a16="http://schemas.microsoft.com/office/drawing/2014/main" id="{D362711E-1B51-46D6-93CC-F02637EEEAEA}"/>
               </a:ext>
             </a:extLst>
           </p:cNvPr>
@@ -36518,7 +36896,7 @@
           <a:p>
             <a:fld id="{A6AF1B4E-90EC-4A51-B6E5-B702C054ECB0}" type="slidenum">
               <a:rPr lang="en-US" smtClean="0"/>
-              <a:t>25</a:t>
+              <a:t>26</a:t>
             </a:fld>
             <a:endParaRPr lang="en-US" dirty="0"/>
           </a:p>
@@ -36537,7 +36915,7 @@
 </p:sld>
 </file>
 
-<file path=ppt/slides/slide26.xml><?xml version="1.0" encoding="utf-8"?>
+<file path=ppt/slides/slide27.xml><?xml version="1.0" encoding="utf-8"?>
 <p:sld xmlns:a="http://schemas.openxmlformats.org/drawingml/2006/main" xmlns:r="http://schemas.openxmlformats.org/officeDocument/2006/relationships" xmlns:p="http://schemas.openxmlformats.org/presentationml/2006/main">
   <p:cSld>
     <p:spTree>
@@ -37127,10 +37505,10 @@
       </p:sp>
       <p:sp>
         <p:nvSpPr>
-          <p:cNvPr id="7" name="Slide Number Placeholder 6">
+          <p:cNvPr id="8" name="Slide Number Placeholder 7">
             <a:extLst>
               <a:ext uri="{FF2B5EF4-FFF2-40B4-BE49-F238E27FC236}">
-                <a16:creationId xmlns:a16="http://schemas.microsoft.com/office/drawing/2014/main" id="{D9A3F964-8C1B-4745-A2BC-976F4303952B}"/>
+                <a16:creationId xmlns:a16="http://schemas.microsoft.com/office/drawing/2014/main" id="{182E3BB0-5A0C-46AC-859A-DE4D2A9E2FC8}"/>
               </a:ext>
             </a:extLst>
           </p:cNvPr>
@@ -37148,7 +37526,7 @@
           <a:p>
             <a:fld id="{A6AF1B4E-90EC-4A51-B6E5-B702C054ECB0}" type="slidenum">
               <a:rPr lang="en-US" smtClean="0"/>
-              <a:t>26</a:t>
+              <a:t>27</a:t>
             </a:fld>
             <a:endParaRPr lang="en-US" dirty="0"/>
           </a:p>
@@ -37167,7 +37545,7 @@
 </p:sld>
 </file>
 
-<file path=ppt/slides/slide27.xml><?xml version="1.0" encoding="utf-8"?>
+<file path=ppt/slides/slide28.xml><?xml version="1.0" encoding="utf-8"?>
 <p:sld xmlns:a="http://schemas.openxmlformats.org/drawingml/2006/main" xmlns:r="http://schemas.openxmlformats.org/officeDocument/2006/relationships" xmlns:p="http://schemas.openxmlformats.org/presentationml/2006/main">
   <p:cSld>
     <p:bg>
@@ -37801,10 +38179,10 @@
       </p:sp>
       <p:sp>
         <p:nvSpPr>
-          <p:cNvPr id="5" name="Slide Number Placeholder 4">
+          <p:cNvPr id="6" name="Slide Number Placeholder 5">
             <a:extLst>
               <a:ext uri="{FF2B5EF4-FFF2-40B4-BE49-F238E27FC236}">
-                <a16:creationId xmlns:a16="http://schemas.microsoft.com/office/drawing/2014/main" id="{2F4FA472-B3EB-406C-A3F5-A17BE5395949}"/>
+                <a16:creationId xmlns:a16="http://schemas.microsoft.com/office/drawing/2014/main" id="{05116C68-A0A1-479B-BEF6-7EC7DC521A97}"/>
               </a:ext>
             </a:extLst>
           </p:cNvPr>
@@ -37822,7 +38200,7 @@
           <a:p>
             <a:fld id="{A6AF1B4E-90EC-4A51-B6E5-B702C054ECB0}" type="slidenum">
               <a:rPr lang="en-US" smtClean="0"/>
-              <a:t>27</a:t>
+              <a:t>28</a:t>
             </a:fld>
             <a:endParaRPr lang="en-US" dirty="0"/>
           </a:p>
@@ -37841,7 +38219,7 @@
 </p:sld>
 </file>
 
-<file path=ppt/slides/slide28.xml><?xml version="1.0" encoding="utf-8"?>
+<file path=ppt/slides/slide29.xml><?xml version="1.0" encoding="utf-8"?>
 <p:sld xmlns:a="http://schemas.openxmlformats.org/drawingml/2006/main" xmlns:r="http://schemas.openxmlformats.org/officeDocument/2006/relationships" xmlns:p="http://schemas.openxmlformats.org/presentationml/2006/main">
   <p:cSld>
     <p:bg>
@@ -38507,10 +38885,10 @@
       </p:sp>
       <p:sp>
         <p:nvSpPr>
-          <p:cNvPr id="5" name="Slide Number Placeholder 4">
+          <p:cNvPr id="6" name="Slide Number Placeholder 5">
             <a:extLst>
               <a:ext uri="{FF2B5EF4-FFF2-40B4-BE49-F238E27FC236}">
-                <a16:creationId xmlns:a16="http://schemas.microsoft.com/office/drawing/2014/main" id="{F0649081-38BF-4AED-BDDC-64E2F0A5A22B}"/>
+                <a16:creationId xmlns:a16="http://schemas.microsoft.com/office/drawing/2014/main" id="{847BA881-EE58-493F-9D5C-362FFF49FE86}"/>
               </a:ext>
             </a:extLst>
           </p:cNvPr>
@@ -38528,7 +38906,7 @@
           <a:p>
             <a:fld id="{A6AF1B4E-90EC-4A51-B6E5-B702C054ECB0}" type="slidenum">
               <a:rPr lang="en-US" smtClean="0"/>
-              <a:t>28</a:t>
+              <a:t>29</a:t>
             </a:fld>
             <a:endParaRPr lang="en-US" dirty="0"/>
           </a:p>
@@ -38547,7 +38925,327 @@
 </p:sld>
 </file>
 
-<file path=ppt/slides/slide29.xml><?xml version="1.0" encoding="utf-8"?>
+<file path=ppt/slides/slide3.xml><?xml version="1.0" encoding="utf-8"?>
+<p:sld xmlns:a="http://schemas.openxmlformats.org/drawingml/2006/main" xmlns:r="http://schemas.openxmlformats.org/officeDocument/2006/relationships" xmlns:p="http://schemas.openxmlformats.org/presentationml/2006/main">
+  <p:cSld>
+    <p:bg>
+      <p:bgPr>
+        <a:solidFill>
+          <a:schemeClr val="bg1"/>
+        </a:solidFill>
+        <a:effectLst/>
+      </p:bgPr>
+    </p:bg>
+    <p:spTree>
+      <p:nvGrpSpPr>
+        <p:cNvPr id="1" name=""/>
+        <p:cNvGrpSpPr/>
+        <p:nvPr/>
+      </p:nvGrpSpPr>
+      <p:grpSpPr>
+        <a:xfrm>
+          <a:off x="0" y="0"/>
+          <a:ext cx="0" cy="0"/>
+          <a:chOff x="0" y="0"/>
+          <a:chExt cx="0" cy="0"/>
+        </a:xfrm>
+      </p:grpSpPr>
+      <p:sp>
+        <p:nvSpPr>
+          <p:cNvPr id="2" name="Title 1">
+            <a:extLst>
+              <a:ext uri="{FF2B5EF4-FFF2-40B4-BE49-F238E27FC236}">
+                <a16:creationId xmlns:a16="http://schemas.microsoft.com/office/drawing/2014/main" id="{95D45144-38FB-438E-AB3E-2319EEB3484B}"/>
+              </a:ext>
+            </a:extLst>
+          </p:cNvPr>
+          <p:cNvSpPr>
+            <a:spLocks noGrp="1"/>
+          </p:cNvSpPr>
+          <p:nvPr>
+            <p:ph type="title"/>
+          </p:nvPr>
+        </p:nvSpPr>
+        <p:spPr>
+          <a:xfrm>
+            <a:off x="4965430" y="629268"/>
+            <a:ext cx="6586491" cy="1286160"/>
+          </a:xfrm>
+        </p:spPr>
+        <p:txBody>
+          <a:bodyPr anchor="b">
+            <a:normAutofit/>
+          </a:bodyPr>
+          <a:lstStyle/>
+          <a:p>
+            <a:r>
+              <a:rPr lang="en-US" dirty="0"/>
+              <a:t>Learning Objectives</a:t>
+            </a:r>
+          </a:p>
+        </p:txBody>
+      </p:sp>
+      <p:sp>
+        <p:nvSpPr>
+          <p:cNvPr id="3" name="Content Placeholder 2">
+            <a:extLst>
+              <a:ext uri="{FF2B5EF4-FFF2-40B4-BE49-F238E27FC236}">
+                <a16:creationId xmlns:a16="http://schemas.microsoft.com/office/drawing/2014/main" id="{012E8FF6-1F2A-41B0-8BFA-09EC58CE0DD5}"/>
+              </a:ext>
+            </a:extLst>
+          </p:cNvPr>
+          <p:cNvSpPr>
+            <a:spLocks noGrp="1"/>
+          </p:cNvSpPr>
+          <p:nvPr>
+            <p:ph idx="1"/>
+          </p:nvPr>
+        </p:nvSpPr>
+        <p:spPr>
+          <a:xfrm>
+            <a:off x="4965431" y="2438400"/>
+            <a:ext cx="6586489" cy="3785419"/>
+          </a:xfrm>
+        </p:spPr>
+        <p:txBody>
+          <a:bodyPr>
+            <a:normAutofit/>
+          </a:bodyPr>
+          <a:lstStyle/>
+          <a:p>
+            <a:pPr marL="514350" indent="-514350">
+              <a:buFont typeface="+mj-lt"/>
+              <a:buAutoNum type="arabicPeriod"/>
+            </a:pPr>
+            <a:r>
+              <a:rPr lang="en-US" sz="2000"/>
+              <a:t>Describe the basic uses of exploratory research </a:t>
+            </a:r>
+          </a:p>
+          <a:p>
+            <a:pPr marL="514350" indent="-514350">
+              <a:buFont typeface="+mj-lt"/>
+              <a:buAutoNum type="arabicPeriod"/>
+            </a:pPr>
+            <a:r>
+              <a:rPr lang="en-US" sz="2000"/>
+              <a:t>Specify the key characteristics of exploratory research. Small scale and very flexible studies are used to generate ideas and insights </a:t>
+            </a:r>
+          </a:p>
+          <a:p>
+            <a:pPr marL="514350" indent="-514350">
+              <a:buFont typeface="+mj-lt"/>
+              <a:buAutoNum type="arabicPeriod"/>
+            </a:pPr>
+            <a:r>
+              <a:rPr lang="en-US" sz="2000"/>
+              <a:t>Discuss the various types of exploratory research and describe each </a:t>
+            </a:r>
+          </a:p>
+          <a:p>
+            <a:pPr marL="514350" indent="-514350">
+              <a:buFont typeface="+mj-lt"/>
+              <a:buAutoNum type="arabicPeriod"/>
+            </a:pPr>
+            <a:r>
+              <a:rPr lang="en-US" sz="2000"/>
+              <a:t>Identify the key person in a focus group</a:t>
+            </a:r>
+          </a:p>
+          <a:p>
+            <a:pPr marL="514350" indent="-514350">
+              <a:buFont typeface="+mj-lt"/>
+              <a:buAutoNum type="arabicPeriod"/>
+            </a:pPr>
+            <a:r>
+              <a:rPr lang="en-US" sz="2000"/>
+              <a:t>Discuss two major pitfalls to avoid with focus groups (or any other form of exploratory research). </a:t>
+            </a:r>
+          </a:p>
+        </p:txBody>
+      </p:sp>
+      <p:pic>
+        <p:nvPicPr>
+          <p:cNvPr id="8" name="Picture 7" descr="Light bulb on yellow background with sketched light beams and cord">
+            <a:extLst>
+              <a:ext uri="{FF2B5EF4-FFF2-40B4-BE49-F238E27FC236}">
+                <a16:creationId xmlns:a16="http://schemas.microsoft.com/office/drawing/2014/main" id="{061535B1-EAF2-40BA-85EB-228F9417F9FA}"/>
+              </a:ext>
+            </a:extLst>
+          </p:cNvPr>
+          <p:cNvPicPr>
+            <a:picLocks noChangeAspect="1"/>
+          </p:cNvPicPr>
+          <p:nvPr/>
+        </p:nvPicPr>
+        <p:blipFill rotWithShape="1">
+          <a:blip r:embed="rId2"/>
+          <a:srcRect l="51344" r="7086"/>
+          <a:stretch/>
+        </p:blipFill>
+        <p:spPr>
+          <a:xfrm>
+            <a:off x="20" y="10"/>
+            <a:ext cx="4635571" cy="6857990"/>
+          </a:xfrm>
+          <a:prstGeom prst="rect">
+            <a:avLst/>
+          </a:prstGeom>
+          <a:effectLst/>
+        </p:spPr>
+      </p:pic>
+      <p:cxnSp>
+        <p:nvCxnSpPr>
+          <p:cNvPr id="12" name="Straight Connector 11">
+            <a:extLst>
+              <a:ext uri="{FF2B5EF4-FFF2-40B4-BE49-F238E27FC236}">
+                <a16:creationId xmlns:a16="http://schemas.microsoft.com/office/drawing/2014/main" id="{A7F400EE-A8A5-48AF-B4D6-291B52C6F0B0}"/>
+              </a:ext>
+              <a:ext uri="{C183D7F6-B498-43B3-948B-1728B52AA6E4}">
+                <adec:decorative xmlns:adec="http://schemas.microsoft.com/office/drawing/2017/decorative" val="1"/>
+              </a:ext>
+            </a:extLst>
+          </p:cNvPr>
+          <p:cNvCxnSpPr>
+            <a:cxnSpLocks noGrp="1" noRot="1" noChangeAspect="1" noMove="1" noResize="1" noEditPoints="1" noAdjustHandles="1" noChangeArrowheads="1" noChangeShapeType="1"/>
+          </p:cNvCxnSpPr>
+          <p:nvPr>
+            <p:extLst>
+              <p:ext uri="{386F3935-93C4-4BCD-93E2-E3B085C9AB24}">
+                <p16:designElem xmlns:p16="http://schemas.microsoft.com/office/powerpoint/2015/main" val="1"/>
+              </p:ext>
+            </p:extLst>
+          </p:nvPr>
+        </p:nvCxnSpPr>
+        <p:spPr>
+          <a:xfrm>
+            <a:off x="5080934" y="2115117"/>
+            <a:ext cx="6309360" cy="0"/>
+          </a:xfrm>
+          <a:prstGeom prst="line">
+            <a:avLst/>
+          </a:prstGeom>
+          <a:ln w="19050">
+            <a:solidFill>
+              <a:srgbClr val="F5E835"/>
+            </a:solidFill>
+          </a:ln>
+        </p:spPr>
+        <p:style>
+          <a:lnRef idx="1">
+            <a:schemeClr val="accent1"/>
+          </a:lnRef>
+          <a:fillRef idx="0">
+            <a:schemeClr val="accent1"/>
+          </a:fillRef>
+          <a:effectRef idx="0">
+            <a:schemeClr val="accent1"/>
+          </a:effectRef>
+          <a:fontRef idx="minor">
+            <a:schemeClr val="tx1"/>
+          </a:fontRef>
+        </p:style>
+      </p:cxnSp>
+      <p:sp>
+        <p:nvSpPr>
+          <p:cNvPr id="4" name="Footer Placeholder 3">
+            <a:extLst>
+              <a:ext uri="{FF2B5EF4-FFF2-40B4-BE49-F238E27FC236}">
+                <a16:creationId xmlns:a16="http://schemas.microsoft.com/office/drawing/2014/main" id="{A396BBCE-8FC3-4F11-9454-416129AB650B}"/>
+              </a:ext>
+            </a:extLst>
+          </p:cNvPr>
+          <p:cNvSpPr>
+            <a:spLocks noGrp="1"/>
+          </p:cNvSpPr>
+          <p:nvPr>
+            <p:ph type="ftr" sz="quarter" idx="11"/>
+          </p:nvPr>
+        </p:nvSpPr>
+        <p:spPr>
+          <a:xfrm>
+            <a:off x="4965430" y="6356350"/>
+            <a:ext cx="4139134" cy="365125"/>
+          </a:xfrm>
+        </p:spPr>
+        <p:txBody>
+          <a:bodyPr>
+            <a:normAutofit/>
+          </a:bodyPr>
+          <a:lstStyle/>
+          <a:p>
+            <a:pPr algn="l">
+              <a:spcAft>
+                <a:spcPts val="600"/>
+              </a:spcAft>
+            </a:pPr>
+            <a:r>
+              <a:rPr lang="en-US"/>
+              <a:t>Mike Nguyen</a:t>
+            </a:r>
+          </a:p>
+        </p:txBody>
+      </p:sp>
+      <p:sp>
+        <p:nvSpPr>
+          <p:cNvPr id="6" name="Slide Number Placeholder 5">
+            <a:extLst>
+              <a:ext uri="{FF2B5EF4-FFF2-40B4-BE49-F238E27FC236}">
+                <a16:creationId xmlns:a16="http://schemas.microsoft.com/office/drawing/2014/main" id="{D2545B85-FFDA-4243-9CD9-9EC2E1A377C2}"/>
+              </a:ext>
+            </a:extLst>
+          </p:cNvPr>
+          <p:cNvSpPr>
+            <a:spLocks noGrp="1"/>
+          </p:cNvSpPr>
+          <p:nvPr>
+            <p:ph type="sldNum" sz="quarter" idx="12"/>
+          </p:nvPr>
+        </p:nvSpPr>
+        <p:spPr>
+          <a:xfrm>
+            <a:off x="10167042" y="6356350"/>
+            <a:ext cx="1186758" cy="365125"/>
+          </a:xfrm>
+        </p:spPr>
+        <p:txBody>
+          <a:bodyPr>
+            <a:normAutofit/>
+          </a:bodyPr>
+          <a:lstStyle/>
+          <a:p>
+            <a:pPr>
+              <a:spcAft>
+                <a:spcPts val="600"/>
+              </a:spcAft>
+            </a:pPr>
+            <a:fld id="{A6AF1B4E-90EC-4A51-B6E5-B702C054ECB0}" type="slidenum">
+              <a:rPr lang="en-US" smtClean="0"/>
+              <a:pPr>
+                <a:spcAft>
+                  <a:spcPts val="600"/>
+                </a:spcAft>
+              </a:pPr>
+              <a:t>3</a:t>
+            </a:fld>
+            <a:endParaRPr lang="en-US"/>
+          </a:p>
+        </p:txBody>
+      </p:sp>
+    </p:spTree>
+    <p:extLst>
+      <p:ext uri="{BB962C8B-B14F-4D97-AF65-F5344CB8AC3E}">
+        <p14:creationId xmlns:p14="http://schemas.microsoft.com/office/powerpoint/2010/main" val="1613986525"/>
+      </p:ext>
+    </p:extLst>
+  </p:cSld>
+  <p:clrMapOvr>
+    <a:masterClrMapping/>
+  </p:clrMapOvr>
+</p:sld>
+</file>
+
+<file path=ppt/slides/slide30.xml><?xml version="1.0" encoding="utf-8"?>
 <p:sld xmlns:a="http://schemas.openxmlformats.org/drawingml/2006/main" xmlns:r="http://schemas.openxmlformats.org/officeDocument/2006/relationships" xmlns:p="http://schemas.openxmlformats.org/presentationml/2006/main">
   <p:cSld>
     <p:bg>
@@ -39015,10 +39713,10 @@
       </p:sp>
       <p:sp>
         <p:nvSpPr>
-          <p:cNvPr id="4" name="Slide Number Placeholder 3">
+          <p:cNvPr id="5" name="Slide Number Placeholder 4">
             <a:extLst>
               <a:ext uri="{FF2B5EF4-FFF2-40B4-BE49-F238E27FC236}">
-                <a16:creationId xmlns:a16="http://schemas.microsoft.com/office/drawing/2014/main" id="{F84A097F-654F-481E-8104-B2A8BDCA3E48}"/>
+                <a16:creationId xmlns:a16="http://schemas.microsoft.com/office/drawing/2014/main" id="{E9A08C16-2FD6-40A5-83E2-ED712C7088A2}"/>
               </a:ext>
             </a:extLst>
           </p:cNvPr>
@@ -39036,7 +39734,7 @@
           <a:p>
             <a:fld id="{A6AF1B4E-90EC-4A51-B6E5-B702C054ECB0}" type="slidenum">
               <a:rPr lang="en-US" smtClean="0"/>
-              <a:t>29</a:t>
+              <a:t>30</a:t>
             </a:fld>
             <a:endParaRPr lang="en-US" dirty="0"/>
           </a:p>
@@ -39055,169 +39753,7 @@
 </p:sld>
 </file>
 
-<file path=ppt/slides/slide3.xml><?xml version="1.0" encoding="utf-8"?>
-<p:sld xmlns:a="http://schemas.openxmlformats.org/drawingml/2006/main" xmlns:r="http://schemas.openxmlformats.org/officeDocument/2006/relationships" xmlns:p="http://schemas.openxmlformats.org/presentationml/2006/main">
-  <p:cSld>
-    <p:spTree>
-      <p:nvGrpSpPr>
-        <p:cNvPr id="1" name=""/>
-        <p:cNvGrpSpPr/>
-        <p:nvPr/>
-      </p:nvGrpSpPr>
-      <p:grpSpPr>
-        <a:xfrm>
-          <a:off x="0" y="0"/>
-          <a:ext cx="0" cy="0"/>
-          <a:chOff x="0" y="0"/>
-          <a:chExt cx="0" cy="0"/>
-        </a:xfrm>
-      </p:grpSpPr>
-      <p:sp>
-        <p:nvSpPr>
-          <p:cNvPr id="2" name="Title 1">
-            <a:extLst>
-              <a:ext uri="{FF2B5EF4-FFF2-40B4-BE49-F238E27FC236}">
-                <a16:creationId xmlns:a16="http://schemas.microsoft.com/office/drawing/2014/main" id="{3BF83B94-F7F3-47EA-8DD8-27AC2632AF80}"/>
-              </a:ext>
-            </a:extLst>
-          </p:cNvPr>
-          <p:cNvSpPr>
-            <a:spLocks noGrp="1"/>
-          </p:cNvSpPr>
-          <p:nvPr>
-            <p:ph type="title"/>
-          </p:nvPr>
-        </p:nvSpPr>
-        <p:spPr/>
-        <p:txBody>
-          <a:bodyPr/>
-          <a:lstStyle/>
-          <a:p>
-            <a:r>
-              <a:rPr lang="en-US" dirty="0"/>
-              <a:t>Exploratory Research </a:t>
-            </a:r>
-          </a:p>
-        </p:txBody>
-      </p:sp>
-      <p:sp>
-        <p:nvSpPr>
-          <p:cNvPr id="3" name="Content Placeholder 2">
-            <a:extLst>
-              <a:ext uri="{FF2B5EF4-FFF2-40B4-BE49-F238E27FC236}">
-                <a16:creationId xmlns:a16="http://schemas.microsoft.com/office/drawing/2014/main" id="{7C7FED88-E044-40AA-A99C-E8299464B427}"/>
-              </a:ext>
-            </a:extLst>
-          </p:cNvPr>
-          <p:cNvSpPr>
-            <a:spLocks noGrp="1"/>
-          </p:cNvSpPr>
-          <p:nvPr>
-            <p:ph idx="1"/>
-          </p:nvPr>
-        </p:nvSpPr>
-        <p:spPr/>
-        <p:txBody>
-          <a:bodyPr/>
-          <a:lstStyle/>
-          <a:p>
-            <a:r>
-              <a:rPr lang="en-US" dirty="0"/>
-              <a:t>Research conducted to gain ideas and insights to better define the problem or opportunity confronting a manager. </a:t>
-            </a:r>
-          </a:p>
-          <a:p>
-            <a:r>
-              <a:rPr lang="en-US" dirty="0"/>
-              <a:t>When conducted correctly, exploratory research should provide a better understanding of the situation and possibly yield hypotheses- but this kind of research is not designed to come up with final answers and decisions</a:t>
-            </a:r>
-          </a:p>
-          <a:p>
-            <a:r>
-              <a:rPr lang="en-US" dirty="0"/>
-              <a:t>Small scale</a:t>
-            </a:r>
-          </a:p>
-          <a:p>
-            <a:r>
-              <a:rPr lang="en-US" dirty="0"/>
-              <a:t>Flexible</a:t>
-            </a:r>
-          </a:p>
-        </p:txBody>
-      </p:sp>
-      <p:sp>
-        <p:nvSpPr>
-          <p:cNvPr id="4" name="Footer Placeholder 3">
-            <a:extLst>
-              <a:ext uri="{FF2B5EF4-FFF2-40B4-BE49-F238E27FC236}">
-                <a16:creationId xmlns:a16="http://schemas.microsoft.com/office/drawing/2014/main" id="{70FBEEBB-E3F4-4250-AAC2-5FA7CAF8CDF7}"/>
-              </a:ext>
-            </a:extLst>
-          </p:cNvPr>
-          <p:cNvSpPr>
-            <a:spLocks noGrp="1"/>
-          </p:cNvSpPr>
-          <p:nvPr>
-            <p:ph type="ftr" sz="quarter" idx="11"/>
-          </p:nvPr>
-        </p:nvSpPr>
-        <p:spPr/>
-        <p:txBody>
-          <a:bodyPr/>
-          <a:lstStyle/>
-          <a:p>
-            <a:r>
-              <a:rPr lang="en-US"/>
-              <a:t>Mike Nguyen</a:t>
-            </a:r>
-            <a:endParaRPr lang="en-US" dirty="0"/>
-          </a:p>
-        </p:txBody>
-      </p:sp>
-      <p:sp>
-        <p:nvSpPr>
-          <p:cNvPr id="5" name="Slide Number Placeholder 4">
-            <a:extLst>
-              <a:ext uri="{FF2B5EF4-FFF2-40B4-BE49-F238E27FC236}">
-                <a16:creationId xmlns:a16="http://schemas.microsoft.com/office/drawing/2014/main" id="{9455DD63-95F5-433F-9C57-4F89526BB046}"/>
-              </a:ext>
-            </a:extLst>
-          </p:cNvPr>
-          <p:cNvSpPr>
-            <a:spLocks noGrp="1"/>
-          </p:cNvSpPr>
-          <p:nvPr>
-            <p:ph type="sldNum" sz="quarter" idx="12"/>
-          </p:nvPr>
-        </p:nvSpPr>
-        <p:spPr/>
-        <p:txBody>
-          <a:bodyPr/>
-          <a:lstStyle/>
-          <a:p>
-            <a:fld id="{A6AF1B4E-90EC-4A51-B6E5-B702C054ECB0}" type="slidenum">
-              <a:rPr lang="en-US" smtClean="0"/>
-              <a:t>3</a:t>
-            </a:fld>
-            <a:endParaRPr lang="en-US" dirty="0"/>
-          </a:p>
-        </p:txBody>
-      </p:sp>
-    </p:spTree>
-    <p:extLst>
-      <p:ext uri="{BB962C8B-B14F-4D97-AF65-F5344CB8AC3E}">
-        <p14:creationId xmlns:p14="http://schemas.microsoft.com/office/powerpoint/2010/main" val="175775011"/>
-      </p:ext>
-    </p:extLst>
-  </p:cSld>
-  <p:clrMapOvr>
-    <a:masterClrMapping/>
-  </p:clrMapOvr>
-</p:sld>
-</file>
-
-<file path=ppt/slides/slide30.xml><?xml version="1.0" encoding="utf-8"?>
+<file path=ppt/slides/slide31.xml><?xml version="1.0" encoding="utf-8"?>
 <p:sld xmlns:a="http://schemas.openxmlformats.org/drawingml/2006/main" xmlns:r="http://schemas.openxmlformats.org/officeDocument/2006/relationships" xmlns:p="http://schemas.openxmlformats.org/presentationml/2006/main">
   <p:cSld>
     <p:bg>
@@ -39685,10 +40221,10 @@
       </p:sp>
       <p:sp>
         <p:nvSpPr>
-          <p:cNvPr id="4" name="Slide Number Placeholder 3">
+          <p:cNvPr id="5" name="Slide Number Placeholder 4">
             <a:extLst>
               <a:ext uri="{FF2B5EF4-FFF2-40B4-BE49-F238E27FC236}">
-                <a16:creationId xmlns:a16="http://schemas.microsoft.com/office/drawing/2014/main" id="{F045418A-C458-4464-B8A3-8CF0B6FB6394}"/>
+                <a16:creationId xmlns:a16="http://schemas.microsoft.com/office/drawing/2014/main" id="{0A6314CC-E522-4163-A4F8-38D1D558282D}"/>
               </a:ext>
             </a:extLst>
           </p:cNvPr>
@@ -39706,7 +40242,7 @@
           <a:p>
             <a:fld id="{A6AF1B4E-90EC-4A51-B6E5-B702C054ECB0}" type="slidenum">
               <a:rPr lang="en-US" smtClean="0"/>
-              <a:t>30</a:t>
+              <a:t>31</a:t>
             </a:fld>
             <a:endParaRPr lang="en-US" dirty="0"/>
           </a:p>
@@ -39725,7 +40261,7 @@
 </p:sld>
 </file>
 
-<file path=ppt/slides/slide31.xml><?xml version="1.0" encoding="utf-8"?>
+<file path=ppt/slides/slide32.xml><?xml version="1.0" encoding="utf-8"?>
 <p:sld xmlns:a="http://schemas.openxmlformats.org/drawingml/2006/main" xmlns:r="http://schemas.openxmlformats.org/officeDocument/2006/relationships" xmlns:p="http://schemas.openxmlformats.org/presentationml/2006/main">
   <p:cSld>
     <p:bg>
@@ -40698,10 +41234,10 @@
       </p:sp>
       <p:sp>
         <p:nvSpPr>
-          <p:cNvPr id="5" name="Slide Number Placeholder 4">
+          <p:cNvPr id="6" name="Slide Number Placeholder 5">
             <a:extLst>
               <a:ext uri="{FF2B5EF4-FFF2-40B4-BE49-F238E27FC236}">
-                <a16:creationId xmlns:a16="http://schemas.microsoft.com/office/drawing/2014/main" id="{6B49EA92-7839-4D8F-9AD5-2C7789D14F7A}"/>
+                <a16:creationId xmlns:a16="http://schemas.microsoft.com/office/drawing/2014/main" id="{FE96317E-03FC-4A1E-86F8-B83654B68D34}"/>
               </a:ext>
             </a:extLst>
           </p:cNvPr>
@@ -40719,7 +41255,7 @@
           <a:p>
             <a:fld id="{A6AF1B4E-90EC-4A51-B6E5-B702C054ECB0}" type="slidenum">
               <a:rPr lang="en-US" smtClean="0"/>
-              <a:t>31</a:t>
+              <a:t>32</a:t>
             </a:fld>
             <a:endParaRPr lang="en-US" dirty="0"/>
           </a:p>
@@ -40738,7 +41274,7 @@
 </p:sld>
 </file>
 
-<file path=ppt/slides/slide32.xml><?xml version="1.0" encoding="utf-8"?>
+<file path=ppt/slides/slide33.xml><?xml version="1.0" encoding="utf-8"?>
 <p:sld xmlns:a="http://schemas.openxmlformats.org/drawingml/2006/main" xmlns:r="http://schemas.openxmlformats.org/officeDocument/2006/relationships" xmlns:p="http://schemas.openxmlformats.org/presentationml/2006/main">
   <p:cSld>
     <p:bg>
@@ -41187,10 +41723,10 @@
       </p:sp>
       <p:sp>
         <p:nvSpPr>
-          <p:cNvPr id="4" name="Slide Number Placeholder 3">
+          <p:cNvPr id="5" name="Slide Number Placeholder 4">
             <a:extLst>
               <a:ext uri="{FF2B5EF4-FFF2-40B4-BE49-F238E27FC236}">
-                <a16:creationId xmlns:a16="http://schemas.microsoft.com/office/drawing/2014/main" id="{92EA2C31-7145-471B-AB3D-9A2C5F1D98DD}"/>
+                <a16:creationId xmlns:a16="http://schemas.microsoft.com/office/drawing/2014/main" id="{D5E718D2-5097-4EBF-A28A-B4C9535561D0}"/>
               </a:ext>
             </a:extLst>
           </p:cNvPr>
@@ -41208,7 +41744,7 @@
           <a:p>
             <a:fld id="{A6AF1B4E-90EC-4A51-B6E5-B702C054ECB0}" type="slidenum">
               <a:rPr lang="en-US" smtClean="0"/>
-              <a:t>32</a:t>
+              <a:t>33</a:t>
             </a:fld>
             <a:endParaRPr lang="en-US" dirty="0"/>
           </a:p>
@@ -41227,7 +41763,7 @@
 </p:sld>
 </file>
 
-<file path=ppt/slides/slide33.xml><?xml version="1.0" encoding="utf-8"?>
+<file path=ppt/slides/slide34.xml><?xml version="1.0" encoding="utf-8"?>
 <p:sld xmlns:a="http://schemas.openxmlformats.org/drawingml/2006/main" xmlns:r="http://schemas.openxmlformats.org/officeDocument/2006/relationships" xmlns:p="http://schemas.openxmlformats.org/presentationml/2006/main">
   <p:cSld>
     <p:spTree>
@@ -41755,10 +42291,10 @@
       </p:sp>
       <p:sp>
         <p:nvSpPr>
-          <p:cNvPr id="6" name="Slide Number Placeholder 5">
+          <p:cNvPr id="7" name="Slide Number Placeholder 6">
             <a:extLst>
               <a:ext uri="{FF2B5EF4-FFF2-40B4-BE49-F238E27FC236}">
-                <a16:creationId xmlns:a16="http://schemas.microsoft.com/office/drawing/2014/main" id="{89969387-86B1-4B40-9438-55EC885637CD}"/>
+                <a16:creationId xmlns:a16="http://schemas.microsoft.com/office/drawing/2014/main" id="{E5EE19C8-6E65-4242-8A89-C960DA90FC44}"/>
               </a:ext>
             </a:extLst>
           </p:cNvPr>
@@ -41776,7 +42312,7 @@
           <a:p>
             <a:fld id="{A6AF1B4E-90EC-4A51-B6E5-B702C054ECB0}" type="slidenum">
               <a:rPr lang="en-US" smtClean="0"/>
-              <a:t>33</a:t>
+              <a:t>34</a:t>
             </a:fld>
             <a:endParaRPr lang="en-US" dirty="0"/>
           </a:p>
@@ -41870,7 +42406,7 @@
 </p:sld>
 </file>
 
-<file path=ppt/slides/slide34.xml><?xml version="1.0" encoding="utf-8"?>
+<file path=ppt/slides/slide35.xml><?xml version="1.0" encoding="utf-8"?>
 <p:sld xmlns:a="http://schemas.openxmlformats.org/drawingml/2006/main" xmlns:r="http://schemas.openxmlformats.org/officeDocument/2006/relationships" xmlns:p="http://schemas.openxmlformats.org/presentationml/2006/main">
   <p:cSld>
     <p:bg>
@@ -43160,10 +43696,10 @@
       </p:sp>
       <p:sp>
         <p:nvSpPr>
-          <p:cNvPr id="5" name="Slide Number Placeholder 4">
+          <p:cNvPr id="6" name="Slide Number Placeholder 5">
             <a:extLst>
               <a:ext uri="{FF2B5EF4-FFF2-40B4-BE49-F238E27FC236}">
-                <a16:creationId xmlns:a16="http://schemas.microsoft.com/office/drawing/2014/main" id="{CA3CFE26-940D-4A01-80E5-FE9451E53102}"/>
+                <a16:creationId xmlns:a16="http://schemas.microsoft.com/office/drawing/2014/main" id="{E9228E20-8CF6-46E4-894C-0260B21561B5}"/>
               </a:ext>
             </a:extLst>
           </p:cNvPr>
@@ -43181,7 +43717,7 @@
           <a:p>
             <a:fld id="{A6AF1B4E-90EC-4A51-B6E5-B702C054ECB0}" type="slidenum">
               <a:rPr lang="en-US" smtClean="0"/>
-              <a:t>34</a:t>
+              <a:t>35</a:t>
             </a:fld>
             <a:endParaRPr lang="en-US" dirty="0"/>
           </a:p>
@@ -43292,7 +43828,7 @@
 </p:sld>
 </file>
 
-<file path=ppt/slides/slide35.xml><?xml version="1.0" encoding="utf-8"?>
+<file path=ppt/slides/slide36.xml><?xml version="1.0" encoding="utf-8"?>
 <p:sld xmlns:a="http://schemas.openxmlformats.org/drawingml/2006/main" xmlns:r="http://schemas.openxmlformats.org/officeDocument/2006/relationships" xmlns:p="http://schemas.openxmlformats.org/presentationml/2006/main">
   <p:cSld>
     <p:bg>
@@ -43474,10 +44010,10 @@
       </p:sp>
       <p:sp>
         <p:nvSpPr>
-          <p:cNvPr id="4" name="Slide Number Placeholder 3">
+          <p:cNvPr id="5" name="Slide Number Placeholder 4">
             <a:extLst>
               <a:ext uri="{FF2B5EF4-FFF2-40B4-BE49-F238E27FC236}">
-                <a16:creationId xmlns:a16="http://schemas.microsoft.com/office/drawing/2014/main" id="{2AC3EA16-4A1B-4E34-B171-204410398D3D}"/>
+                <a16:creationId xmlns:a16="http://schemas.microsoft.com/office/drawing/2014/main" id="{54EB9BD9-8BC5-4948-9696-C18D8D5803A3}"/>
               </a:ext>
             </a:extLst>
           </p:cNvPr>
@@ -43495,7 +44031,7 @@
           <a:p>
             <a:fld id="{A6AF1B4E-90EC-4A51-B6E5-B702C054ECB0}" type="slidenum">
               <a:rPr lang="en-US" smtClean="0"/>
-              <a:t>35</a:t>
+              <a:t>36</a:t>
             </a:fld>
             <a:endParaRPr lang="en-US" dirty="0"/>
           </a:p>
@@ -43514,7 +44050,7 @@
 </p:sld>
 </file>
 
-<file path=ppt/slides/slide36.xml><?xml version="1.0" encoding="utf-8"?>
+<file path=ppt/slides/slide37.xml><?xml version="1.0" encoding="utf-8"?>
 <p:sld xmlns:a="http://schemas.openxmlformats.org/drawingml/2006/main" xmlns:r="http://schemas.openxmlformats.org/officeDocument/2006/relationships" xmlns:p="http://schemas.openxmlformats.org/presentationml/2006/main">
   <p:cSld>
     <p:bg>
@@ -43840,10 +44376,10 @@
       </p:sp>
       <p:sp>
         <p:nvSpPr>
-          <p:cNvPr id="4" name="Slide Number Placeholder 3">
+          <p:cNvPr id="6" name="Slide Number Placeholder 5">
             <a:extLst>
               <a:ext uri="{FF2B5EF4-FFF2-40B4-BE49-F238E27FC236}">
-                <a16:creationId xmlns:a16="http://schemas.microsoft.com/office/drawing/2014/main" id="{5BBDFEA2-AC8E-425B-B468-0CA259548D74}"/>
+                <a16:creationId xmlns:a16="http://schemas.microsoft.com/office/drawing/2014/main" id="{AABFABB4-24E4-49C1-BB84-29AD60F2382D}"/>
               </a:ext>
             </a:extLst>
           </p:cNvPr>
@@ -43861,7 +44397,7 @@
           <a:p>
             <a:fld id="{A6AF1B4E-90EC-4A51-B6E5-B702C054ECB0}" type="slidenum">
               <a:rPr lang="en-US" smtClean="0"/>
-              <a:t>36</a:t>
+              <a:t>37</a:t>
             </a:fld>
             <a:endParaRPr lang="en-US" dirty="0"/>
           </a:p>
@@ -43880,7 +44416,7 @@
 </p:sld>
 </file>
 
-<file path=ppt/slides/slide37.xml><?xml version="1.0" encoding="utf-8"?>
+<file path=ppt/slides/slide38.xml><?xml version="1.0" encoding="utf-8"?>
 <p:sld xmlns:a="http://schemas.openxmlformats.org/drawingml/2006/main" xmlns:r="http://schemas.openxmlformats.org/officeDocument/2006/relationships" xmlns:p="http://schemas.openxmlformats.org/presentationml/2006/main">
   <p:cSld>
     <p:bg>
@@ -44048,10 +44584,10 @@
       </p:sp>
       <p:sp>
         <p:nvSpPr>
-          <p:cNvPr id="6" name="Slide Number Placeholder 5">
+          <p:cNvPr id="7" name="Slide Number Placeholder 6">
             <a:extLst>
               <a:ext uri="{FF2B5EF4-FFF2-40B4-BE49-F238E27FC236}">
-                <a16:creationId xmlns:a16="http://schemas.microsoft.com/office/drawing/2014/main" id="{E9478DD9-DC73-434A-8457-3AD775435E7E}"/>
+                <a16:creationId xmlns:a16="http://schemas.microsoft.com/office/drawing/2014/main" id="{B110A4D3-2DC8-4C26-AD01-4A850D78AC54}"/>
               </a:ext>
             </a:extLst>
           </p:cNvPr>
@@ -44069,7 +44605,7 @@
           <a:p>
             <a:fld id="{A6AF1B4E-90EC-4A51-B6E5-B702C054ECB0}" type="slidenum">
               <a:rPr lang="en-US" smtClean="0"/>
-              <a:t>37</a:t>
+              <a:t>38</a:t>
             </a:fld>
             <a:endParaRPr lang="en-US" dirty="0"/>
           </a:p>
@@ -44088,7 +44624,7 @@
 </p:sld>
 </file>
 
-<file path=ppt/slides/slide38.xml><?xml version="1.0" encoding="utf-8"?>
+<file path=ppt/slides/slide39.xml><?xml version="1.0" encoding="utf-8"?>
 <p:sld xmlns:a="http://schemas.openxmlformats.org/drawingml/2006/main" xmlns:r="http://schemas.openxmlformats.org/officeDocument/2006/relationships" xmlns:p="http://schemas.openxmlformats.org/presentationml/2006/main">
   <p:cSld>
     <p:bg>
@@ -44660,10 +45196,10 @@
       </p:sp>
       <p:sp>
         <p:nvSpPr>
-          <p:cNvPr id="4" name="Slide Number Placeholder 3">
+          <p:cNvPr id="6" name="Slide Number Placeholder 5">
             <a:extLst>
               <a:ext uri="{FF2B5EF4-FFF2-40B4-BE49-F238E27FC236}">
-                <a16:creationId xmlns:a16="http://schemas.microsoft.com/office/drawing/2014/main" id="{1C1FC865-F82C-49DA-9BFA-5AE3202D7569}"/>
+                <a16:creationId xmlns:a16="http://schemas.microsoft.com/office/drawing/2014/main" id="{020E0693-B15A-4720-AC25-0854BDC6AB07}"/>
               </a:ext>
             </a:extLst>
           </p:cNvPr>
@@ -44681,7 +45217,7 @@
           <a:p>
             <a:fld id="{A6AF1B4E-90EC-4A51-B6E5-B702C054ECB0}" type="slidenum">
               <a:rPr lang="en-US" smtClean="0"/>
-              <a:t>38</a:t>
+              <a:t>39</a:t>
             </a:fld>
             <a:endParaRPr lang="en-US" dirty="0"/>
           </a:p>
@@ -44700,7 +45236,169 @@
 </p:sld>
 </file>
 
-<file path=ppt/slides/slide39.xml><?xml version="1.0" encoding="utf-8"?>
+<file path=ppt/slides/slide4.xml><?xml version="1.0" encoding="utf-8"?>
+<p:sld xmlns:a="http://schemas.openxmlformats.org/drawingml/2006/main" xmlns:r="http://schemas.openxmlformats.org/officeDocument/2006/relationships" xmlns:p="http://schemas.openxmlformats.org/presentationml/2006/main">
+  <p:cSld>
+    <p:spTree>
+      <p:nvGrpSpPr>
+        <p:cNvPr id="1" name=""/>
+        <p:cNvGrpSpPr/>
+        <p:nvPr/>
+      </p:nvGrpSpPr>
+      <p:grpSpPr>
+        <a:xfrm>
+          <a:off x="0" y="0"/>
+          <a:ext cx="0" cy="0"/>
+          <a:chOff x="0" y="0"/>
+          <a:chExt cx="0" cy="0"/>
+        </a:xfrm>
+      </p:grpSpPr>
+      <p:sp>
+        <p:nvSpPr>
+          <p:cNvPr id="2" name="Title 1">
+            <a:extLst>
+              <a:ext uri="{FF2B5EF4-FFF2-40B4-BE49-F238E27FC236}">
+                <a16:creationId xmlns:a16="http://schemas.microsoft.com/office/drawing/2014/main" id="{3BF83B94-F7F3-47EA-8DD8-27AC2632AF80}"/>
+              </a:ext>
+            </a:extLst>
+          </p:cNvPr>
+          <p:cNvSpPr>
+            <a:spLocks noGrp="1"/>
+          </p:cNvSpPr>
+          <p:nvPr>
+            <p:ph type="title"/>
+          </p:nvPr>
+        </p:nvSpPr>
+        <p:spPr/>
+        <p:txBody>
+          <a:bodyPr/>
+          <a:lstStyle/>
+          <a:p>
+            <a:r>
+              <a:rPr lang="en-US" dirty="0"/>
+              <a:t>Exploratory Research </a:t>
+            </a:r>
+          </a:p>
+        </p:txBody>
+      </p:sp>
+      <p:sp>
+        <p:nvSpPr>
+          <p:cNvPr id="3" name="Content Placeholder 2">
+            <a:extLst>
+              <a:ext uri="{FF2B5EF4-FFF2-40B4-BE49-F238E27FC236}">
+                <a16:creationId xmlns:a16="http://schemas.microsoft.com/office/drawing/2014/main" id="{7C7FED88-E044-40AA-A99C-E8299464B427}"/>
+              </a:ext>
+            </a:extLst>
+          </p:cNvPr>
+          <p:cNvSpPr>
+            <a:spLocks noGrp="1"/>
+          </p:cNvSpPr>
+          <p:nvPr>
+            <p:ph idx="1"/>
+          </p:nvPr>
+        </p:nvSpPr>
+        <p:spPr/>
+        <p:txBody>
+          <a:bodyPr/>
+          <a:lstStyle/>
+          <a:p>
+            <a:r>
+              <a:rPr lang="en-US" dirty="0"/>
+              <a:t>Research conducted to gain ideas and insights to better define the problem or opportunity confronting a manager. </a:t>
+            </a:r>
+          </a:p>
+          <a:p>
+            <a:r>
+              <a:rPr lang="en-US" dirty="0"/>
+              <a:t>When conducted correctly, exploratory research should provide a better understanding of the situation and possibly yield hypotheses- but this kind of research is not designed to come up with final answers and decisions</a:t>
+            </a:r>
+          </a:p>
+          <a:p>
+            <a:r>
+              <a:rPr lang="en-US" dirty="0"/>
+              <a:t>Small scale</a:t>
+            </a:r>
+          </a:p>
+          <a:p>
+            <a:r>
+              <a:rPr lang="en-US" dirty="0"/>
+              <a:t>Flexible</a:t>
+            </a:r>
+          </a:p>
+        </p:txBody>
+      </p:sp>
+      <p:sp>
+        <p:nvSpPr>
+          <p:cNvPr id="4" name="Footer Placeholder 3">
+            <a:extLst>
+              <a:ext uri="{FF2B5EF4-FFF2-40B4-BE49-F238E27FC236}">
+                <a16:creationId xmlns:a16="http://schemas.microsoft.com/office/drawing/2014/main" id="{70FBEEBB-E3F4-4250-AAC2-5FA7CAF8CDF7}"/>
+              </a:ext>
+            </a:extLst>
+          </p:cNvPr>
+          <p:cNvSpPr>
+            <a:spLocks noGrp="1"/>
+          </p:cNvSpPr>
+          <p:nvPr>
+            <p:ph type="ftr" sz="quarter" idx="11"/>
+          </p:nvPr>
+        </p:nvSpPr>
+        <p:spPr/>
+        <p:txBody>
+          <a:bodyPr/>
+          <a:lstStyle/>
+          <a:p>
+            <a:r>
+              <a:rPr lang="en-US"/>
+              <a:t>Mike Nguyen</a:t>
+            </a:r>
+            <a:endParaRPr lang="en-US" dirty="0"/>
+          </a:p>
+        </p:txBody>
+      </p:sp>
+      <p:sp>
+        <p:nvSpPr>
+          <p:cNvPr id="6" name="Slide Number Placeholder 5">
+            <a:extLst>
+              <a:ext uri="{FF2B5EF4-FFF2-40B4-BE49-F238E27FC236}">
+                <a16:creationId xmlns:a16="http://schemas.microsoft.com/office/drawing/2014/main" id="{A2635F88-6070-4024-A224-8430ED6BFDFA}"/>
+              </a:ext>
+            </a:extLst>
+          </p:cNvPr>
+          <p:cNvSpPr>
+            <a:spLocks noGrp="1"/>
+          </p:cNvSpPr>
+          <p:nvPr>
+            <p:ph type="sldNum" sz="quarter" idx="12"/>
+          </p:nvPr>
+        </p:nvSpPr>
+        <p:spPr/>
+        <p:txBody>
+          <a:bodyPr/>
+          <a:lstStyle/>
+          <a:p>
+            <a:fld id="{A6AF1B4E-90EC-4A51-B6E5-B702C054ECB0}" type="slidenum">
+              <a:rPr lang="en-US" smtClean="0"/>
+              <a:t>4</a:t>
+            </a:fld>
+            <a:endParaRPr lang="en-US" dirty="0"/>
+          </a:p>
+        </p:txBody>
+      </p:sp>
+    </p:spTree>
+    <p:extLst>
+      <p:ext uri="{BB962C8B-B14F-4D97-AF65-F5344CB8AC3E}">
+        <p14:creationId xmlns:p14="http://schemas.microsoft.com/office/powerpoint/2010/main" val="175775011"/>
+      </p:ext>
+    </p:extLst>
+  </p:cSld>
+  <p:clrMapOvr>
+    <a:masterClrMapping/>
+  </p:clrMapOvr>
+</p:sld>
+</file>
+
+<file path=ppt/slides/slide40.xml><?xml version="1.0" encoding="utf-8"?>
 <p:sld xmlns:a="http://schemas.openxmlformats.org/drawingml/2006/main" xmlns:r="http://schemas.openxmlformats.org/officeDocument/2006/relationships" xmlns:p="http://schemas.openxmlformats.org/presentationml/2006/main">
   <p:cSld>
     <p:spTree>
@@ -45135,10 +45833,10 @@
       </p:sp>
       <p:sp>
         <p:nvSpPr>
-          <p:cNvPr id="6" name="Slide Number Placeholder 5">
+          <p:cNvPr id="7" name="Slide Number Placeholder 6">
             <a:extLst>
               <a:ext uri="{FF2B5EF4-FFF2-40B4-BE49-F238E27FC236}">
-                <a16:creationId xmlns:a16="http://schemas.microsoft.com/office/drawing/2014/main" id="{137E3A44-DBA9-4BE7-AE98-3BC4135080B1}"/>
+                <a16:creationId xmlns:a16="http://schemas.microsoft.com/office/drawing/2014/main" id="{A8ABAB80-1B6B-449C-813F-176CC75F6B17}"/>
               </a:ext>
             </a:extLst>
           </p:cNvPr>
@@ -45156,7 +45854,7 @@
           <a:p>
             <a:fld id="{A6AF1B4E-90EC-4A51-B6E5-B702C054ECB0}" type="slidenum">
               <a:rPr lang="en-US" smtClean="0"/>
-              <a:t>39</a:t>
+              <a:t>40</a:t>
             </a:fld>
             <a:endParaRPr lang="en-US" dirty="0"/>
           </a:p>
@@ -45250,194 +45948,7 @@
 </p:sld>
 </file>
 
-<file path=ppt/slides/slide4.xml><?xml version="1.0" encoding="utf-8"?>
-<p:sld xmlns:a="http://schemas.openxmlformats.org/drawingml/2006/main" xmlns:r="http://schemas.openxmlformats.org/officeDocument/2006/relationships" xmlns:p="http://schemas.openxmlformats.org/presentationml/2006/main">
-  <p:cSld>
-    <p:spTree>
-      <p:nvGrpSpPr>
-        <p:cNvPr id="1" name=""/>
-        <p:cNvGrpSpPr/>
-        <p:nvPr/>
-      </p:nvGrpSpPr>
-      <p:grpSpPr>
-        <a:xfrm>
-          <a:off x="0" y="0"/>
-          <a:ext cx="0" cy="0"/>
-          <a:chOff x="0" y="0"/>
-          <a:chExt cx="0" cy="0"/>
-        </a:xfrm>
-      </p:grpSpPr>
-      <p:sp>
-        <p:nvSpPr>
-          <p:cNvPr id="2" name="Title 1">
-            <a:extLst>
-              <a:ext uri="{FF2B5EF4-FFF2-40B4-BE49-F238E27FC236}">
-                <a16:creationId xmlns:a16="http://schemas.microsoft.com/office/drawing/2014/main" id="{1B06B8E9-910E-44B8-A5BA-D1A2BBB7CAB7}"/>
-              </a:ext>
-            </a:extLst>
-          </p:cNvPr>
-          <p:cNvSpPr>
-            <a:spLocks noGrp="1"/>
-          </p:cNvSpPr>
-          <p:nvPr>
-            <p:ph type="title"/>
-          </p:nvPr>
-        </p:nvSpPr>
-        <p:spPr/>
-        <p:txBody>
-          <a:bodyPr/>
-          <a:lstStyle/>
-          <a:p>
-            <a:r>
-              <a:rPr lang="en-US" dirty="0"/>
-              <a:t>Hypothesis</a:t>
-            </a:r>
-          </a:p>
-        </p:txBody>
-      </p:sp>
-      <p:sp>
-        <p:nvSpPr>
-          <p:cNvPr id="3" name="Content Placeholder 2">
-            <a:extLst>
-              <a:ext uri="{FF2B5EF4-FFF2-40B4-BE49-F238E27FC236}">
-                <a16:creationId xmlns:a16="http://schemas.microsoft.com/office/drawing/2014/main" id="{C5C7005F-A9F1-4252-9371-41D55B3ECE8C}"/>
-              </a:ext>
-            </a:extLst>
-          </p:cNvPr>
-          <p:cNvSpPr>
-            <a:spLocks noGrp="1"/>
-          </p:cNvSpPr>
-          <p:nvPr>
-            <p:ph idx="1"/>
-          </p:nvPr>
-        </p:nvSpPr>
-        <p:spPr/>
-        <p:txBody>
-          <a:bodyPr/>
-          <a:lstStyle/>
-          <a:p>
-            <a:r>
-              <a:rPr lang="en-US" dirty="0"/>
-              <a:t>A statement that specifies how two or more measurable variables are related </a:t>
-            </a:r>
-          </a:p>
-          <a:p>
-            <a:r>
-              <a:rPr lang="en-US" dirty="0"/>
-              <a:t>Examples: </a:t>
-            </a:r>
-          </a:p>
-          <a:p>
-            <a:pPr lvl="1"/>
-            <a:r>
-              <a:rPr lang="en-US" dirty="0" err="1"/>
-              <a:t>H1</a:t>
-            </a:r>
-            <a:r>
-              <a:rPr lang="en-US" dirty="0"/>
-              <a:t>: Women are more likely than men to make impulse purchases of our brand </a:t>
-            </a:r>
-          </a:p>
-          <a:p>
-            <a:pPr lvl="1"/>
-            <a:r>
-              <a:rPr lang="en-US" dirty="0" err="1"/>
-              <a:t>H2</a:t>
-            </a:r>
-            <a:r>
-              <a:rPr lang="en-US" dirty="0"/>
-              <a:t>: Decreasing price by 10% will increase unit sales by 30% </a:t>
-            </a:r>
-          </a:p>
-          <a:p>
-            <a:pPr lvl="1"/>
-            <a:r>
-              <a:rPr lang="en-US" dirty="0" err="1"/>
-              <a:t>H3</a:t>
-            </a:r>
-            <a:r>
-              <a:rPr lang="en-US" dirty="0"/>
-              <a:t>: Adoption of our new product will be greater in Northern states than in Southern States</a:t>
-            </a:r>
-          </a:p>
-          <a:p>
-            <a:pPr lvl="1"/>
-            <a:endParaRPr lang="en-US" dirty="0"/>
-          </a:p>
-        </p:txBody>
-      </p:sp>
-      <p:sp>
-        <p:nvSpPr>
-          <p:cNvPr id="4" name="Footer Placeholder 3">
-            <a:extLst>
-              <a:ext uri="{FF2B5EF4-FFF2-40B4-BE49-F238E27FC236}">
-                <a16:creationId xmlns:a16="http://schemas.microsoft.com/office/drawing/2014/main" id="{583312BF-C563-4C41-8C14-FE00907D8041}"/>
-              </a:ext>
-            </a:extLst>
-          </p:cNvPr>
-          <p:cNvSpPr>
-            <a:spLocks noGrp="1"/>
-          </p:cNvSpPr>
-          <p:nvPr>
-            <p:ph type="ftr" sz="quarter" idx="11"/>
-          </p:nvPr>
-        </p:nvSpPr>
-        <p:spPr/>
-        <p:txBody>
-          <a:bodyPr/>
-          <a:lstStyle/>
-          <a:p>
-            <a:r>
-              <a:rPr lang="en-US"/>
-              <a:t>Mike Nguyen</a:t>
-            </a:r>
-            <a:endParaRPr lang="en-US" dirty="0"/>
-          </a:p>
-        </p:txBody>
-      </p:sp>
-      <p:sp>
-        <p:nvSpPr>
-          <p:cNvPr id="5" name="Slide Number Placeholder 4">
-            <a:extLst>
-              <a:ext uri="{FF2B5EF4-FFF2-40B4-BE49-F238E27FC236}">
-                <a16:creationId xmlns:a16="http://schemas.microsoft.com/office/drawing/2014/main" id="{12FA188C-3AC0-4606-BA0B-615F2929BB3C}"/>
-              </a:ext>
-            </a:extLst>
-          </p:cNvPr>
-          <p:cNvSpPr>
-            <a:spLocks noGrp="1"/>
-          </p:cNvSpPr>
-          <p:nvPr>
-            <p:ph type="sldNum" sz="quarter" idx="12"/>
-          </p:nvPr>
-        </p:nvSpPr>
-        <p:spPr/>
-        <p:txBody>
-          <a:bodyPr/>
-          <a:lstStyle/>
-          <a:p>
-            <a:fld id="{A6AF1B4E-90EC-4A51-B6E5-B702C054ECB0}" type="slidenum">
-              <a:rPr lang="en-US" smtClean="0"/>
-              <a:t>4</a:t>
-            </a:fld>
-            <a:endParaRPr lang="en-US" dirty="0"/>
-          </a:p>
-        </p:txBody>
-      </p:sp>
-    </p:spTree>
-    <p:extLst>
-      <p:ext uri="{BB962C8B-B14F-4D97-AF65-F5344CB8AC3E}">
-        <p14:creationId xmlns:p14="http://schemas.microsoft.com/office/powerpoint/2010/main" val="2576891241"/>
-      </p:ext>
-    </p:extLst>
-  </p:cSld>
-  <p:clrMapOvr>
-    <a:masterClrMapping/>
-  </p:clrMapOvr>
-</p:sld>
-</file>
-
-<file path=ppt/slides/slide40.xml><?xml version="1.0" encoding="utf-8"?>
+<file path=ppt/slides/slide41.xml><?xml version="1.0" encoding="utf-8"?>
 <p:sld xmlns:a="http://schemas.openxmlformats.org/drawingml/2006/main" xmlns:r="http://schemas.openxmlformats.org/officeDocument/2006/relationships" xmlns:p="http://schemas.openxmlformats.org/presentationml/2006/main">
   <p:cSld>
     <p:bg>
@@ -45895,10 +46406,10 @@
       </p:sp>
       <p:sp>
         <p:nvSpPr>
-          <p:cNvPr id="3" name="Slide Number Placeholder 2">
+          <p:cNvPr id="4" name="Slide Number Placeholder 3">
             <a:extLst>
               <a:ext uri="{FF2B5EF4-FFF2-40B4-BE49-F238E27FC236}">
-                <a16:creationId xmlns:a16="http://schemas.microsoft.com/office/drawing/2014/main" id="{FAAB01BF-6BB5-498E-A0BF-8CA827D1D1F0}"/>
+                <a16:creationId xmlns:a16="http://schemas.microsoft.com/office/drawing/2014/main" id="{EE84550B-57FE-4F9F-9958-B0A4960E30A9}"/>
               </a:ext>
             </a:extLst>
           </p:cNvPr>
@@ -45916,7 +46427,7 @@
           <a:p>
             <a:fld id="{A6AF1B4E-90EC-4A51-B6E5-B702C054ECB0}" type="slidenum">
               <a:rPr lang="en-US" smtClean="0"/>
-              <a:t>40</a:t>
+              <a:t>41</a:t>
             </a:fld>
             <a:endParaRPr lang="en-US" dirty="0"/>
           </a:p>
@@ -45935,7 +46446,7 @@
 </p:sld>
 </file>
 
-<file path=ppt/slides/slide41.xml><?xml version="1.0" encoding="utf-8"?>
+<file path=ppt/slides/slide42.xml><?xml version="1.0" encoding="utf-8"?>
 <p:sld xmlns:a="http://schemas.openxmlformats.org/drawingml/2006/main" xmlns:r="http://schemas.openxmlformats.org/officeDocument/2006/relationships" xmlns:p="http://schemas.openxmlformats.org/presentationml/2006/main">
   <p:cSld>
     <p:spTree>
@@ -46038,10 +46549,10 @@
       </p:sp>
       <p:sp>
         <p:nvSpPr>
-          <p:cNvPr id="4" name="Slide Number Placeholder 3">
+          <p:cNvPr id="6" name="Slide Number Placeholder 5">
             <a:extLst>
               <a:ext uri="{FF2B5EF4-FFF2-40B4-BE49-F238E27FC236}">
-                <a16:creationId xmlns:a16="http://schemas.microsoft.com/office/drawing/2014/main" id="{74A8D5B5-B829-44CA-BB54-6D1E5AB6D992}"/>
+                <a16:creationId xmlns:a16="http://schemas.microsoft.com/office/drawing/2014/main" id="{F61CD8B8-2496-49AF-9AED-DAF30709541C}"/>
               </a:ext>
             </a:extLst>
           </p:cNvPr>
@@ -46059,7 +46570,7 @@
           <a:p>
             <a:fld id="{A6AF1B4E-90EC-4A51-B6E5-B702C054ECB0}" type="slidenum">
               <a:rPr lang="en-US" smtClean="0"/>
-              <a:t>41</a:t>
+              <a:t>42</a:t>
             </a:fld>
             <a:endParaRPr lang="en-US" dirty="0"/>
           </a:p>
@@ -46078,7 +46589,7 @@
 </p:sld>
 </file>
 
-<file path=ppt/slides/slide42.xml><?xml version="1.0" encoding="utf-8"?>
+<file path=ppt/slides/slide43.xml><?xml version="1.0" encoding="utf-8"?>
 <p:sld xmlns:a="http://schemas.openxmlformats.org/drawingml/2006/main" xmlns:r="http://schemas.openxmlformats.org/officeDocument/2006/relationships" xmlns:p="http://schemas.openxmlformats.org/presentationml/2006/main">
   <p:cSld>
     <p:bg>
@@ -46660,10 +47171,10 @@
       </p:sp>
       <p:sp>
         <p:nvSpPr>
-          <p:cNvPr id="5" name="Slide Number Placeholder 4">
+          <p:cNvPr id="6" name="Slide Number Placeholder 5">
             <a:extLst>
               <a:ext uri="{FF2B5EF4-FFF2-40B4-BE49-F238E27FC236}">
-                <a16:creationId xmlns:a16="http://schemas.microsoft.com/office/drawing/2014/main" id="{9DA1E91C-2ED0-43B1-884E-E9738F877BB9}"/>
+                <a16:creationId xmlns:a16="http://schemas.microsoft.com/office/drawing/2014/main" id="{1007C458-60DB-452E-9466-833BC6CD2257}"/>
               </a:ext>
             </a:extLst>
           </p:cNvPr>
@@ -46681,7 +47192,7 @@
           <a:p>
             <a:fld id="{A6AF1B4E-90EC-4A51-B6E5-B702C054ECB0}" type="slidenum">
               <a:rPr lang="en-US" smtClean="0"/>
-              <a:t>42</a:t>
+              <a:t>43</a:t>
             </a:fld>
             <a:endParaRPr lang="en-US" dirty="0"/>
           </a:p>
@@ -46700,7 +47211,7 @@
 </p:sld>
 </file>
 
-<file path=ppt/slides/slide43.xml><?xml version="1.0" encoding="utf-8"?>
+<file path=ppt/slides/slide44.xml><?xml version="1.0" encoding="utf-8"?>
 <p:sld xmlns:a="http://schemas.openxmlformats.org/drawingml/2006/main" xmlns:r="http://schemas.openxmlformats.org/officeDocument/2006/relationships" xmlns:p="http://schemas.openxmlformats.org/presentationml/2006/main">
   <p:cSld>
     <p:bg>
@@ -47244,10 +47755,10 @@
       </p:sp>
       <p:sp>
         <p:nvSpPr>
-          <p:cNvPr id="5" name="Slide Number Placeholder 4">
+          <p:cNvPr id="6" name="Slide Number Placeholder 5">
             <a:extLst>
               <a:ext uri="{FF2B5EF4-FFF2-40B4-BE49-F238E27FC236}">
-                <a16:creationId xmlns:a16="http://schemas.microsoft.com/office/drawing/2014/main" id="{3EC61402-4195-4513-A430-2B3AF34CBE7C}"/>
+                <a16:creationId xmlns:a16="http://schemas.microsoft.com/office/drawing/2014/main" id="{39E7B155-88EF-4F90-8899-1E16DCFDAA03}"/>
               </a:ext>
             </a:extLst>
           </p:cNvPr>
@@ -47265,7 +47776,7 @@
           <a:p>
             <a:fld id="{A6AF1B4E-90EC-4A51-B6E5-B702C054ECB0}" type="slidenum">
               <a:rPr lang="en-US" smtClean="0"/>
-              <a:t>43</a:t>
+              <a:t>44</a:t>
             </a:fld>
             <a:endParaRPr lang="en-US" dirty="0"/>
           </a:p>
@@ -47284,7 +47795,7 @@
 </p:sld>
 </file>
 
-<file path=ppt/slides/slide44.xml><?xml version="1.0" encoding="utf-8"?>
+<file path=ppt/slides/slide45.xml><?xml version="1.0" encoding="utf-8"?>
 <p:sld xmlns:a="http://schemas.openxmlformats.org/drawingml/2006/main" xmlns:r="http://schemas.openxmlformats.org/officeDocument/2006/relationships" xmlns:p="http://schemas.openxmlformats.org/presentationml/2006/main">
   <p:cSld>
     <p:bg>
@@ -47840,10 +48351,10 @@
       </p:sp>
       <p:sp>
         <p:nvSpPr>
-          <p:cNvPr id="5" name="Slide Number Placeholder 4">
+          <p:cNvPr id="6" name="Slide Number Placeholder 5">
             <a:extLst>
               <a:ext uri="{FF2B5EF4-FFF2-40B4-BE49-F238E27FC236}">
-                <a16:creationId xmlns:a16="http://schemas.microsoft.com/office/drawing/2014/main" id="{D4284776-7B4A-47F5-B7F1-99392A93C211}"/>
+                <a16:creationId xmlns:a16="http://schemas.microsoft.com/office/drawing/2014/main" id="{B71EB0B7-B9E1-4719-8D36-2F0735C56C34}"/>
               </a:ext>
             </a:extLst>
           </p:cNvPr>
@@ -47861,7 +48372,7 @@
           <a:p>
             <a:fld id="{A6AF1B4E-90EC-4A51-B6E5-B702C054ECB0}" type="slidenum">
               <a:rPr lang="en-US" smtClean="0"/>
-              <a:t>44</a:t>
+              <a:t>45</a:t>
             </a:fld>
             <a:endParaRPr lang="en-US" dirty="0"/>
           </a:p>
@@ -47880,7 +48391,7 @@
 </p:sld>
 </file>
 
-<file path=ppt/slides/slide45.xml><?xml version="1.0" encoding="utf-8"?>
+<file path=ppt/slides/slide46.xml><?xml version="1.0" encoding="utf-8"?>
 <p:sld xmlns:a="http://schemas.openxmlformats.org/drawingml/2006/main" xmlns:r="http://schemas.openxmlformats.org/officeDocument/2006/relationships" xmlns:p="http://schemas.openxmlformats.org/presentationml/2006/main">
   <p:cSld>
     <p:bg>
@@ -48505,10 +49016,10 @@
       </p:sp>
       <p:sp>
         <p:nvSpPr>
-          <p:cNvPr id="5" name="Slide Number Placeholder 4">
+          <p:cNvPr id="6" name="Slide Number Placeholder 5">
             <a:extLst>
               <a:ext uri="{FF2B5EF4-FFF2-40B4-BE49-F238E27FC236}">
-                <a16:creationId xmlns:a16="http://schemas.microsoft.com/office/drawing/2014/main" id="{6831050E-12A8-4621-AFE9-8F707E51BEFD}"/>
+                <a16:creationId xmlns:a16="http://schemas.microsoft.com/office/drawing/2014/main" id="{F5B201F3-C63B-4578-B94D-FE1F5823E3E6}"/>
               </a:ext>
             </a:extLst>
           </p:cNvPr>
@@ -48526,7 +49037,7 @@
           <a:p>
             <a:fld id="{A6AF1B4E-90EC-4A51-B6E5-B702C054ECB0}" type="slidenum">
               <a:rPr lang="en-US" smtClean="0"/>
-              <a:t>45</a:t>
+              <a:t>46</a:t>
             </a:fld>
             <a:endParaRPr lang="en-US" dirty="0"/>
           </a:p>
@@ -48545,7 +49056,7 @@
 </p:sld>
 </file>
 
-<file path=ppt/slides/slide46.xml><?xml version="1.0" encoding="utf-8"?>
+<file path=ppt/slides/slide47.xml><?xml version="1.0" encoding="utf-8"?>
 <p:sld xmlns:a="http://schemas.openxmlformats.org/drawingml/2006/main" xmlns:r="http://schemas.openxmlformats.org/officeDocument/2006/relationships" xmlns:p="http://schemas.openxmlformats.org/presentationml/2006/main">
   <p:cSld>
     <p:bg>
@@ -49100,10 +49611,10 @@
       </p:sp>
       <p:sp>
         <p:nvSpPr>
-          <p:cNvPr id="4" name="Slide Number Placeholder 3">
+          <p:cNvPr id="6" name="Slide Number Placeholder 5">
             <a:extLst>
               <a:ext uri="{FF2B5EF4-FFF2-40B4-BE49-F238E27FC236}">
-                <a16:creationId xmlns:a16="http://schemas.microsoft.com/office/drawing/2014/main" id="{768AB2B2-11B9-41A4-A3BA-C0345806AB5D}"/>
+                <a16:creationId xmlns:a16="http://schemas.microsoft.com/office/drawing/2014/main" id="{27478888-2798-434A-B25F-8F5E36FD7E2D}"/>
               </a:ext>
             </a:extLst>
           </p:cNvPr>
@@ -49121,7 +49632,7 @@
           <a:p>
             <a:fld id="{A6AF1B4E-90EC-4A51-B6E5-B702C054ECB0}" type="slidenum">
               <a:rPr lang="en-US" smtClean="0"/>
-              <a:t>46</a:t>
+              <a:t>47</a:t>
             </a:fld>
             <a:endParaRPr lang="en-US" dirty="0"/>
           </a:p>
@@ -49337,7 +49848,7 @@
 </p:sld>
 </file>
 
-<file path=ppt/slides/slide47.xml><?xml version="1.0" encoding="utf-8"?>
+<file path=ppt/slides/slide48.xml><?xml version="1.0" encoding="utf-8"?>
 <p:sld xmlns:a="http://schemas.openxmlformats.org/drawingml/2006/main" xmlns:r="http://schemas.openxmlformats.org/officeDocument/2006/relationships" xmlns:p="http://schemas.openxmlformats.org/presentationml/2006/main">
   <p:cSld>
     <p:spTree>
@@ -49599,10 +50110,10 @@
       </p:sp>
       <p:sp>
         <p:nvSpPr>
-          <p:cNvPr id="5" name="Slide Number Placeholder 4">
+          <p:cNvPr id="6" name="Slide Number Placeholder 5">
             <a:extLst>
               <a:ext uri="{FF2B5EF4-FFF2-40B4-BE49-F238E27FC236}">
-                <a16:creationId xmlns:a16="http://schemas.microsoft.com/office/drawing/2014/main" id="{C3C40AF9-07BC-40E1-ADFA-571A686D7D78}"/>
+                <a16:creationId xmlns:a16="http://schemas.microsoft.com/office/drawing/2014/main" id="{14A37A00-3704-4811-8B69-87FDAB663418}"/>
               </a:ext>
             </a:extLst>
           </p:cNvPr>
@@ -49620,7 +50131,7 @@
           <a:p>
             <a:fld id="{A6AF1B4E-90EC-4A51-B6E5-B702C054ECB0}" type="slidenum">
               <a:rPr lang="en-US" smtClean="0"/>
-              <a:t>47</a:t>
+              <a:t>48</a:t>
             </a:fld>
             <a:endParaRPr lang="en-US" dirty="0"/>
           </a:p>
@@ -49639,7 +50150,7 @@
 </p:sld>
 </file>
 
-<file path=ppt/slides/slide48.xml><?xml version="1.0" encoding="utf-8"?>
+<file path=ppt/slides/slide49.xml><?xml version="1.0" encoding="utf-8"?>
 <p:sld xmlns:a="http://schemas.openxmlformats.org/drawingml/2006/main" xmlns:r="http://schemas.openxmlformats.org/officeDocument/2006/relationships" xmlns:p="http://schemas.openxmlformats.org/presentationml/2006/main">
   <p:cSld>
     <p:spTree>
@@ -49880,10 +50391,10 @@
       </p:sp>
       <p:sp>
         <p:nvSpPr>
-          <p:cNvPr id="5" name="Slide Number Placeholder 4">
+          <p:cNvPr id="6" name="Slide Number Placeholder 5">
             <a:extLst>
               <a:ext uri="{FF2B5EF4-FFF2-40B4-BE49-F238E27FC236}">
-                <a16:creationId xmlns:a16="http://schemas.microsoft.com/office/drawing/2014/main" id="{D2892061-269E-4BBC-8A85-5F12D6721810}"/>
+                <a16:creationId xmlns:a16="http://schemas.microsoft.com/office/drawing/2014/main" id="{6007BFB5-B8AA-4A51-A5B9-44B3C458A386}"/>
               </a:ext>
             </a:extLst>
           </p:cNvPr>
@@ -49901,7 +50412,7 @@
           <a:p>
             <a:fld id="{A6AF1B4E-90EC-4A51-B6E5-B702C054ECB0}" type="slidenum">
               <a:rPr lang="en-US" smtClean="0"/>
-              <a:t>48</a:t>
+              <a:t>49</a:t>
             </a:fld>
             <a:endParaRPr lang="en-US" dirty="0"/>
           </a:p>
@@ -49920,7 +50431,194 @@
 </p:sld>
 </file>
 
-<file path=ppt/slides/slide49.xml><?xml version="1.0" encoding="utf-8"?>
+<file path=ppt/slides/slide5.xml><?xml version="1.0" encoding="utf-8"?>
+<p:sld xmlns:a="http://schemas.openxmlformats.org/drawingml/2006/main" xmlns:r="http://schemas.openxmlformats.org/officeDocument/2006/relationships" xmlns:p="http://schemas.openxmlformats.org/presentationml/2006/main">
+  <p:cSld>
+    <p:spTree>
+      <p:nvGrpSpPr>
+        <p:cNvPr id="1" name=""/>
+        <p:cNvGrpSpPr/>
+        <p:nvPr/>
+      </p:nvGrpSpPr>
+      <p:grpSpPr>
+        <a:xfrm>
+          <a:off x="0" y="0"/>
+          <a:ext cx="0" cy="0"/>
+          <a:chOff x="0" y="0"/>
+          <a:chExt cx="0" cy="0"/>
+        </a:xfrm>
+      </p:grpSpPr>
+      <p:sp>
+        <p:nvSpPr>
+          <p:cNvPr id="2" name="Title 1">
+            <a:extLst>
+              <a:ext uri="{FF2B5EF4-FFF2-40B4-BE49-F238E27FC236}">
+                <a16:creationId xmlns:a16="http://schemas.microsoft.com/office/drawing/2014/main" id="{1B06B8E9-910E-44B8-A5BA-D1A2BBB7CAB7}"/>
+              </a:ext>
+            </a:extLst>
+          </p:cNvPr>
+          <p:cNvSpPr>
+            <a:spLocks noGrp="1"/>
+          </p:cNvSpPr>
+          <p:nvPr>
+            <p:ph type="title"/>
+          </p:nvPr>
+        </p:nvSpPr>
+        <p:spPr/>
+        <p:txBody>
+          <a:bodyPr/>
+          <a:lstStyle/>
+          <a:p>
+            <a:r>
+              <a:rPr lang="en-US" dirty="0"/>
+              <a:t>Hypothesis</a:t>
+            </a:r>
+          </a:p>
+        </p:txBody>
+      </p:sp>
+      <p:sp>
+        <p:nvSpPr>
+          <p:cNvPr id="3" name="Content Placeholder 2">
+            <a:extLst>
+              <a:ext uri="{FF2B5EF4-FFF2-40B4-BE49-F238E27FC236}">
+                <a16:creationId xmlns:a16="http://schemas.microsoft.com/office/drawing/2014/main" id="{C5C7005F-A9F1-4252-9371-41D55B3ECE8C}"/>
+              </a:ext>
+            </a:extLst>
+          </p:cNvPr>
+          <p:cNvSpPr>
+            <a:spLocks noGrp="1"/>
+          </p:cNvSpPr>
+          <p:nvPr>
+            <p:ph idx="1"/>
+          </p:nvPr>
+        </p:nvSpPr>
+        <p:spPr/>
+        <p:txBody>
+          <a:bodyPr/>
+          <a:lstStyle/>
+          <a:p>
+            <a:r>
+              <a:rPr lang="en-US" dirty="0"/>
+              <a:t>A statement that specifies how two or more measurable variables are related </a:t>
+            </a:r>
+          </a:p>
+          <a:p>
+            <a:r>
+              <a:rPr lang="en-US" dirty="0"/>
+              <a:t>Examples: </a:t>
+            </a:r>
+          </a:p>
+          <a:p>
+            <a:pPr lvl="1"/>
+            <a:r>
+              <a:rPr lang="en-US" dirty="0" err="1"/>
+              <a:t>H1</a:t>
+            </a:r>
+            <a:r>
+              <a:rPr lang="en-US" dirty="0"/>
+              <a:t>: Women are more likely than men to make impulse purchases of our brand </a:t>
+            </a:r>
+          </a:p>
+          <a:p>
+            <a:pPr lvl="1"/>
+            <a:r>
+              <a:rPr lang="en-US" dirty="0" err="1"/>
+              <a:t>H2</a:t>
+            </a:r>
+            <a:r>
+              <a:rPr lang="en-US" dirty="0"/>
+              <a:t>: Decreasing price by 10% will increase unit sales by 30% </a:t>
+            </a:r>
+          </a:p>
+          <a:p>
+            <a:pPr lvl="1"/>
+            <a:r>
+              <a:rPr lang="en-US" dirty="0" err="1"/>
+              <a:t>H3</a:t>
+            </a:r>
+            <a:r>
+              <a:rPr lang="en-US" dirty="0"/>
+              <a:t>: Adoption of our new product will be greater in Northern states than in Southern States</a:t>
+            </a:r>
+          </a:p>
+          <a:p>
+            <a:pPr lvl="1"/>
+            <a:endParaRPr lang="en-US" dirty="0"/>
+          </a:p>
+        </p:txBody>
+      </p:sp>
+      <p:sp>
+        <p:nvSpPr>
+          <p:cNvPr id="4" name="Footer Placeholder 3">
+            <a:extLst>
+              <a:ext uri="{FF2B5EF4-FFF2-40B4-BE49-F238E27FC236}">
+                <a16:creationId xmlns:a16="http://schemas.microsoft.com/office/drawing/2014/main" id="{583312BF-C563-4C41-8C14-FE00907D8041}"/>
+              </a:ext>
+            </a:extLst>
+          </p:cNvPr>
+          <p:cNvSpPr>
+            <a:spLocks noGrp="1"/>
+          </p:cNvSpPr>
+          <p:nvPr>
+            <p:ph type="ftr" sz="quarter" idx="11"/>
+          </p:nvPr>
+        </p:nvSpPr>
+        <p:spPr/>
+        <p:txBody>
+          <a:bodyPr/>
+          <a:lstStyle/>
+          <a:p>
+            <a:r>
+              <a:rPr lang="en-US"/>
+              <a:t>Mike Nguyen</a:t>
+            </a:r>
+            <a:endParaRPr lang="en-US" dirty="0"/>
+          </a:p>
+        </p:txBody>
+      </p:sp>
+      <p:sp>
+        <p:nvSpPr>
+          <p:cNvPr id="6" name="Slide Number Placeholder 5">
+            <a:extLst>
+              <a:ext uri="{FF2B5EF4-FFF2-40B4-BE49-F238E27FC236}">
+                <a16:creationId xmlns:a16="http://schemas.microsoft.com/office/drawing/2014/main" id="{87F7509B-ED18-4D12-9B66-563CBCD6D9C2}"/>
+              </a:ext>
+            </a:extLst>
+          </p:cNvPr>
+          <p:cNvSpPr>
+            <a:spLocks noGrp="1"/>
+          </p:cNvSpPr>
+          <p:nvPr>
+            <p:ph type="sldNum" sz="quarter" idx="12"/>
+          </p:nvPr>
+        </p:nvSpPr>
+        <p:spPr/>
+        <p:txBody>
+          <a:bodyPr/>
+          <a:lstStyle/>
+          <a:p>
+            <a:fld id="{A6AF1B4E-90EC-4A51-B6E5-B702C054ECB0}" type="slidenum">
+              <a:rPr lang="en-US" smtClean="0"/>
+              <a:t>5</a:t>
+            </a:fld>
+            <a:endParaRPr lang="en-US" dirty="0"/>
+          </a:p>
+        </p:txBody>
+      </p:sp>
+    </p:spTree>
+    <p:extLst>
+      <p:ext uri="{BB962C8B-B14F-4D97-AF65-F5344CB8AC3E}">
+        <p14:creationId xmlns:p14="http://schemas.microsoft.com/office/powerpoint/2010/main" val="2576891241"/>
+      </p:ext>
+    </p:extLst>
+  </p:cSld>
+  <p:clrMapOvr>
+    <a:masterClrMapping/>
+  </p:clrMapOvr>
+</p:sld>
+</file>
+
+<file path=ppt/slides/slide50.xml><?xml version="1.0" encoding="utf-8"?>
 <p:sld xmlns:a="http://schemas.openxmlformats.org/drawingml/2006/main" xmlns:r="http://schemas.openxmlformats.org/officeDocument/2006/relationships" xmlns:p="http://schemas.openxmlformats.org/presentationml/2006/main">
   <p:cSld>
     <p:bg>
@@ -50475,10 +51173,10 @@
       </p:sp>
       <p:sp>
         <p:nvSpPr>
-          <p:cNvPr id="4" name="Slide Number Placeholder 3">
+          <p:cNvPr id="6" name="Slide Number Placeholder 5">
             <a:extLst>
               <a:ext uri="{FF2B5EF4-FFF2-40B4-BE49-F238E27FC236}">
-                <a16:creationId xmlns:a16="http://schemas.microsoft.com/office/drawing/2014/main" id="{A60EFA68-03D6-44DC-85AE-05B914A8DA49}"/>
+                <a16:creationId xmlns:a16="http://schemas.microsoft.com/office/drawing/2014/main" id="{65A79F41-85DE-4DF2-BF71-62CA888A5F4C}"/>
               </a:ext>
             </a:extLst>
           </p:cNvPr>
@@ -50496,7 +51194,7 @@
           <a:p>
             <a:fld id="{A6AF1B4E-90EC-4A51-B6E5-B702C054ECB0}" type="slidenum">
               <a:rPr lang="en-US" smtClean="0"/>
-              <a:t>49</a:t>
+              <a:t>50</a:t>
             </a:fld>
             <a:endParaRPr lang="en-US" dirty="0"/>
           </a:p>
@@ -50515,172 +51213,7 @@
 </p:sld>
 </file>
 
-<file path=ppt/slides/slide5.xml><?xml version="1.0" encoding="utf-8"?>
-<p:sld xmlns:a="http://schemas.openxmlformats.org/drawingml/2006/main" xmlns:r="http://schemas.openxmlformats.org/officeDocument/2006/relationships" xmlns:p="http://schemas.openxmlformats.org/presentationml/2006/main">
-  <p:cSld>
-    <p:spTree>
-      <p:nvGrpSpPr>
-        <p:cNvPr id="1" name=""/>
-        <p:cNvGrpSpPr/>
-        <p:nvPr/>
-      </p:nvGrpSpPr>
-      <p:grpSpPr>
-        <a:xfrm>
-          <a:off x="0" y="0"/>
-          <a:ext cx="0" cy="0"/>
-          <a:chOff x="0" y="0"/>
-          <a:chExt cx="0" cy="0"/>
-        </a:xfrm>
-      </p:grpSpPr>
-      <p:sp>
-        <p:nvSpPr>
-          <p:cNvPr id="2" name="Title 1">
-            <a:extLst>
-              <a:ext uri="{FF2B5EF4-FFF2-40B4-BE49-F238E27FC236}">
-                <a16:creationId xmlns:a16="http://schemas.microsoft.com/office/drawing/2014/main" id="{7ECA9E28-1159-4A44-8627-0DED392AA8A7}"/>
-              </a:ext>
-            </a:extLst>
-          </p:cNvPr>
-          <p:cNvSpPr>
-            <a:spLocks noGrp="1"/>
-          </p:cNvSpPr>
-          <p:nvPr>
-            <p:ph type="title"/>
-          </p:nvPr>
-        </p:nvSpPr>
-        <p:spPr/>
-        <p:txBody>
-          <a:bodyPr/>
-          <a:lstStyle/>
-          <a:p>
-            <a:r>
-              <a:rPr lang="en-US" dirty="0"/>
-              <a:t>Why conduct exploratory research?</a:t>
-            </a:r>
-          </a:p>
-        </p:txBody>
-      </p:sp>
-      <p:sp>
-        <p:nvSpPr>
-          <p:cNvPr id="3" name="Content Placeholder 2">
-            <a:extLst>
-              <a:ext uri="{FF2B5EF4-FFF2-40B4-BE49-F238E27FC236}">
-                <a16:creationId xmlns:a16="http://schemas.microsoft.com/office/drawing/2014/main" id="{2A71D96A-359B-4D4C-8C49-302DB234E6B1}"/>
-              </a:ext>
-            </a:extLst>
-          </p:cNvPr>
-          <p:cNvSpPr>
-            <a:spLocks noGrp="1"/>
-          </p:cNvSpPr>
-          <p:nvPr>
-            <p:ph idx="1"/>
-          </p:nvPr>
-        </p:nvSpPr>
-        <p:spPr/>
-        <p:txBody>
-          <a:bodyPr/>
-          <a:lstStyle/>
-          <a:p>
-            <a:r>
-              <a:rPr lang="en-US" dirty="0"/>
-              <a:t>Develop hypotheses</a:t>
-            </a:r>
-          </a:p>
-          <a:p>
-            <a:r>
-              <a:rPr lang="en-US" dirty="0"/>
-              <a:t>Better formulate the manager’s decision problem </a:t>
-            </a:r>
-          </a:p>
-          <a:p>
-            <a:r>
-              <a:rPr lang="en-US" dirty="0"/>
-              <a:t>Increase researcher’s familiarity with the problem </a:t>
-            </a:r>
-          </a:p>
-          <a:p>
-            <a:r>
-              <a:rPr lang="en-US" dirty="0"/>
-              <a:t>Clarify concepts</a:t>
-            </a:r>
-          </a:p>
-          <a:p>
-            <a:endParaRPr lang="en-US" dirty="0"/>
-          </a:p>
-        </p:txBody>
-      </p:sp>
-      <p:sp>
-        <p:nvSpPr>
-          <p:cNvPr id="4" name="Footer Placeholder 3">
-            <a:extLst>
-              <a:ext uri="{FF2B5EF4-FFF2-40B4-BE49-F238E27FC236}">
-                <a16:creationId xmlns:a16="http://schemas.microsoft.com/office/drawing/2014/main" id="{D67516FB-2C04-45EE-A3F6-896F4C01A5B7}"/>
-              </a:ext>
-            </a:extLst>
-          </p:cNvPr>
-          <p:cNvSpPr>
-            <a:spLocks noGrp="1"/>
-          </p:cNvSpPr>
-          <p:nvPr>
-            <p:ph type="ftr" sz="quarter" idx="11"/>
-          </p:nvPr>
-        </p:nvSpPr>
-        <p:spPr/>
-        <p:txBody>
-          <a:bodyPr/>
-          <a:lstStyle/>
-          <a:p>
-            <a:r>
-              <a:rPr lang="en-US"/>
-              <a:t>Mike Nguyen</a:t>
-            </a:r>
-            <a:endParaRPr lang="en-US" dirty="0"/>
-          </a:p>
-        </p:txBody>
-      </p:sp>
-      <p:sp>
-        <p:nvSpPr>
-          <p:cNvPr id="5" name="Slide Number Placeholder 4">
-            <a:extLst>
-              <a:ext uri="{FF2B5EF4-FFF2-40B4-BE49-F238E27FC236}">
-                <a16:creationId xmlns:a16="http://schemas.microsoft.com/office/drawing/2014/main" id="{AA44AF42-A019-40C5-96EC-0A605BF5F399}"/>
-              </a:ext>
-            </a:extLst>
-          </p:cNvPr>
-          <p:cNvSpPr>
-            <a:spLocks noGrp="1"/>
-          </p:cNvSpPr>
-          <p:nvPr>
-            <p:ph type="sldNum" sz="quarter" idx="12"/>
-          </p:nvPr>
-        </p:nvSpPr>
-        <p:spPr/>
-        <p:txBody>
-          <a:bodyPr/>
-          <a:lstStyle/>
-          <a:p>
-            <a:fld id="{A6AF1B4E-90EC-4A51-B6E5-B702C054ECB0}" type="slidenum">
-              <a:rPr lang="en-US" smtClean="0"/>
-              <a:t>5</a:t>
-            </a:fld>
-            <a:endParaRPr lang="en-US" dirty="0"/>
-          </a:p>
-        </p:txBody>
-      </p:sp>
-    </p:spTree>
-    <p:extLst>
-      <p:ext uri="{BB962C8B-B14F-4D97-AF65-F5344CB8AC3E}">
-        <p14:creationId xmlns:p14="http://schemas.microsoft.com/office/powerpoint/2010/main" val="2976432415"/>
-      </p:ext>
-    </p:extLst>
-  </p:cSld>
-  <p:clrMapOvr>
-    <a:masterClrMapping/>
-  </p:clrMapOvr>
-</p:sld>
-</file>
-
-<file path=ppt/slides/slide50.xml><?xml version="1.0" encoding="utf-8"?>
+<file path=ppt/slides/slide51.xml><?xml version="1.0" encoding="utf-8"?>
 <p:sld xmlns:a="http://schemas.openxmlformats.org/drawingml/2006/main" xmlns:r="http://schemas.openxmlformats.org/officeDocument/2006/relationships" xmlns:p="http://schemas.openxmlformats.org/presentationml/2006/main">
   <p:cSld>
     <p:bg>
@@ -51235,10 +51768,10 @@
       </p:sp>
       <p:sp>
         <p:nvSpPr>
-          <p:cNvPr id="4" name="Slide Number Placeholder 3">
+          <p:cNvPr id="6" name="Slide Number Placeholder 5">
             <a:extLst>
               <a:ext uri="{FF2B5EF4-FFF2-40B4-BE49-F238E27FC236}">
-                <a16:creationId xmlns:a16="http://schemas.microsoft.com/office/drawing/2014/main" id="{94B5297B-0378-4890-BA84-60D0493C13FC}"/>
+                <a16:creationId xmlns:a16="http://schemas.microsoft.com/office/drawing/2014/main" id="{F902D6C2-11EA-4EC6-B4DB-5F19E07EA0F2}"/>
               </a:ext>
             </a:extLst>
           </p:cNvPr>
@@ -51256,7 +51789,7 @@
           <a:p>
             <a:fld id="{A6AF1B4E-90EC-4A51-B6E5-B702C054ECB0}" type="slidenum">
               <a:rPr lang="en-US" smtClean="0"/>
-              <a:t>50</a:t>
+              <a:t>51</a:t>
             </a:fld>
             <a:endParaRPr lang="en-US" dirty="0"/>
           </a:p>
@@ -51275,7 +51808,7 @@
 </p:sld>
 </file>
 
-<file path=ppt/slides/slide51.xml><?xml version="1.0" encoding="utf-8"?>
+<file path=ppt/slides/slide52.xml><?xml version="1.0" encoding="utf-8"?>
 <p:sld xmlns:a="http://schemas.openxmlformats.org/drawingml/2006/main" xmlns:r="http://schemas.openxmlformats.org/officeDocument/2006/relationships" xmlns:p="http://schemas.openxmlformats.org/presentationml/2006/main">
   <p:cSld>
     <p:spTree>
@@ -51767,10 +52300,10 @@
       </p:sp>
       <p:sp>
         <p:nvSpPr>
-          <p:cNvPr id="4" name="Slide Number Placeholder 3">
+          <p:cNvPr id="5" name="Slide Number Placeholder 4">
             <a:extLst>
               <a:ext uri="{FF2B5EF4-FFF2-40B4-BE49-F238E27FC236}">
-                <a16:creationId xmlns:a16="http://schemas.microsoft.com/office/drawing/2014/main" id="{B58A8706-27E9-49B2-996D-93C6B654F924}"/>
+                <a16:creationId xmlns:a16="http://schemas.microsoft.com/office/drawing/2014/main" id="{AB9BDC6E-4B0E-4A72-8D9B-EC64963C54D3}"/>
               </a:ext>
             </a:extLst>
           </p:cNvPr>
@@ -51788,7 +52321,7 @@
           <a:p>
             <a:fld id="{A6AF1B4E-90EC-4A51-B6E5-B702C054ECB0}" type="slidenum">
               <a:rPr lang="en-US" smtClean="0"/>
-              <a:t>51</a:t>
+              <a:t>52</a:t>
             </a:fld>
             <a:endParaRPr lang="en-US" dirty="0"/>
           </a:p>
@@ -51807,7 +52340,7 @@
 </p:sld>
 </file>
 
-<file path=ppt/slides/slide52.xml><?xml version="1.0" encoding="utf-8"?>
+<file path=ppt/slides/slide53.xml><?xml version="1.0" encoding="utf-8"?>
 <p:sld xmlns:a="http://schemas.openxmlformats.org/drawingml/2006/main" xmlns:r="http://schemas.openxmlformats.org/officeDocument/2006/relationships" xmlns:p="http://schemas.openxmlformats.org/presentationml/2006/main">
   <p:cSld>
     <p:bg>
@@ -52643,10 +53176,10 @@
       </p:sp>
       <p:sp>
         <p:nvSpPr>
-          <p:cNvPr id="5" name="Slide Number Placeholder 4">
+          <p:cNvPr id="6" name="Slide Number Placeholder 5">
             <a:extLst>
               <a:ext uri="{FF2B5EF4-FFF2-40B4-BE49-F238E27FC236}">
-                <a16:creationId xmlns:a16="http://schemas.microsoft.com/office/drawing/2014/main" id="{874B8109-AC70-4CEC-B500-8B65774E896F}"/>
+                <a16:creationId xmlns:a16="http://schemas.microsoft.com/office/drawing/2014/main" id="{96666935-55F2-43F3-9BAF-C749B2DF40BD}"/>
               </a:ext>
             </a:extLst>
           </p:cNvPr>
@@ -52664,7 +53197,7 @@
           <a:p>
             <a:fld id="{A6AF1B4E-90EC-4A51-B6E5-B702C054ECB0}" type="slidenum">
               <a:rPr lang="en-US" smtClean="0"/>
-              <a:t>52</a:t>
+              <a:t>53</a:t>
             </a:fld>
             <a:endParaRPr lang="en-US" dirty="0"/>
           </a:p>
@@ -52683,7 +53216,7 @@
 </p:sld>
 </file>
 
-<file path=ppt/slides/slide53.xml><?xml version="1.0" encoding="utf-8"?>
+<file path=ppt/slides/slide54.xml><?xml version="1.0" encoding="utf-8"?>
 <p:sld xmlns:a="http://schemas.openxmlformats.org/drawingml/2006/main" xmlns:r="http://schemas.openxmlformats.org/officeDocument/2006/relationships" xmlns:p="http://schemas.openxmlformats.org/presentationml/2006/main">
   <p:cSld>
     <p:spTree>
@@ -52784,10 +53317,10 @@
       </p:sp>
       <p:sp>
         <p:nvSpPr>
-          <p:cNvPr id="5" name="Slide Number Placeholder 4">
+          <p:cNvPr id="6" name="Slide Number Placeholder 5">
             <a:extLst>
               <a:ext uri="{FF2B5EF4-FFF2-40B4-BE49-F238E27FC236}">
-                <a16:creationId xmlns:a16="http://schemas.microsoft.com/office/drawing/2014/main" id="{D1D519AE-3D21-4456-B93A-5E5784A87C2E}"/>
+                <a16:creationId xmlns:a16="http://schemas.microsoft.com/office/drawing/2014/main" id="{0DD090C6-3C33-42A5-86CA-5DBB613214B9}"/>
               </a:ext>
             </a:extLst>
           </p:cNvPr>
@@ -52805,7 +53338,7 @@
           <a:p>
             <a:fld id="{A6AF1B4E-90EC-4A51-B6E5-B702C054ECB0}" type="slidenum">
               <a:rPr lang="en-US" smtClean="0"/>
-              <a:t>53</a:t>
+              <a:t>54</a:t>
             </a:fld>
             <a:endParaRPr lang="en-US" dirty="0"/>
           </a:p>
@@ -52825,6 +53358,171 @@
 </file>
 
 <file path=ppt/slides/slide6.xml><?xml version="1.0" encoding="utf-8"?>
+<p:sld xmlns:a="http://schemas.openxmlformats.org/drawingml/2006/main" xmlns:r="http://schemas.openxmlformats.org/officeDocument/2006/relationships" xmlns:p="http://schemas.openxmlformats.org/presentationml/2006/main">
+  <p:cSld>
+    <p:spTree>
+      <p:nvGrpSpPr>
+        <p:cNvPr id="1" name=""/>
+        <p:cNvGrpSpPr/>
+        <p:nvPr/>
+      </p:nvGrpSpPr>
+      <p:grpSpPr>
+        <a:xfrm>
+          <a:off x="0" y="0"/>
+          <a:ext cx="0" cy="0"/>
+          <a:chOff x="0" y="0"/>
+          <a:chExt cx="0" cy="0"/>
+        </a:xfrm>
+      </p:grpSpPr>
+      <p:sp>
+        <p:nvSpPr>
+          <p:cNvPr id="2" name="Title 1">
+            <a:extLst>
+              <a:ext uri="{FF2B5EF4-FFF2-40B4-BE49-F238E27FC236}">
+                <a16:creationId xmlns:a16="http://schemas.microsoft.com/office/drawing/2014/main" id="{7ECA9E28-1159-4A44-8627-0DED392AA8A7}"/>
+              </a:ext>
+            </a:extLst>
+          </p:cNvPr>
+          <p:cNvSpPr>
+            <a:spLocks noGrp="1"/>
+          </p:cNvSpPr>
+          <p:nvPr>
+            <p:ph type="title"/>
+          </p:nvPr>
+        </p:nvSpPr>
+        <p:spPr/>
+        <p:txBody>
+          <a:bodyPr/>
+          <a:lstStyle/>
+          <a:p>
+            <a:r>
+              <a:rPr lang="en-US" dirty="0"/>
+              <a:t>Why conduct exploratory research?</a:t>
+            </a:r>
+          </a:p>
+        </p:txBody>
+      </p:sp>
+      <p:sp>
+        <p:nvSpPr>
+          <p:cNvPr id="3" name="Content Placeholder 2">
+            <a:extLst>
+              <a:ext uri="{FF2B5EF4-FFF2-40B4-BE49-F238E27FC236}">
+                <a16:creationId xmlns:a16="http://schemas.microsoft.com/office/drawing/2014/main" id="{2A71D96A-359B-4D4C-8C49-302DB234E6B1}"/>
+              </a:ext>
+            </a:extLst>
+          </p:cNvPr>
+          <p:cNvSpPr>
+            <a:spLocks noGrp="1"/>
+          </p:cNvSpPr>
+          <p:nvPr>
+            <p:ph idx="1"/>
+          </p:nvPr>
+        </p:nvSpPr>
+        <p:spPr/>
+        <p:txBody>
+          <a:bodyPr/>
+          <a:lstStyle/>
+          <a:p>
+            <a:r>
+              <a:rPr lang="en-US" dirty="0"/>
+              <a:t>Develop hypotheses</a:t>
+            </a:r>
+          </a:p>
+          <a:p>
+            <a:r>
+              <a:rPr lang="en-US" dirty="0"/>
+              <a:t>Better formulate the manager’s decision problem </a:t>
+            </a:r>
+          </a:p>
+          <a:p>
+            <a:r>
+              <a:rPr lang="en-US" dirty="0"/>
+              <a:t>Increase researcher’s familiarity with the problem </a:t>
+            </a:r>
+          </a:p>
+          <a:p>
+            <a:r>
+              <a:rPr lang="en-US" dirty="0"/>
+              <a:t>Clarify concepts</a:t>
+            </a:r>
+          </a:p>
+          <a:p>
+            <a:endParaRPr lang="en-US" dirty="0"/>
+          </a:p>
+        </p:txBody>
+      </p:sp>
+      <p:sp>
+        <p:nvSpPr>
+          <p:cNvPr id="4" name="Footer Placeholder 3">
+            <a:extLst>
+              <a:ext uri="{FF2B5EF4-FFF2-40B4-BE49-F238E27FC236}">
+                <a16:creationId xmlns:a16="http://schemas.microsoft.com/office/drawing/2014/main" id="{D67516FB-2C04-45EE-A3F6-896F4C01A5B7}"/>
+              </a:ext>
+            </a:extLst>
+          </p:cNvPr>
+          <p:cNvSpPr>
+            <a:spLocks noGrp="1"/>
+          </p:cNvSpPr>
+          <p:nvPr>
+            <p:ph type="ftr" sz="quarter" idx="11"/>
+          </p:nvPr>
+        </p:nvSpPr>
+        <p:spPr/>
+        <p:txBody>
+          <a:bodyPr/>
+          <a:lstStyle/>
+          <a:p>
+            <a:r>
+              <a:rPr lang="en-US"/>
+              <a:t>Mike Nguyen</a:t>
+            </a:r>
+            <a:endParaRPr lang="en-US" dirty="0"/>
+          </a:p>
+        </p:txBody>
+      </p:sp>
+      <p:sp>
+        <p:nvSpPr>
+          <p:cNvPr id="6" name="Slide Number Placeholder 5">
+            <a:extLst>
+              <a:ext uri="{FF2B5EF4-FFF2-40B4-BE49-F238E27FC236}">
+                <a16:creationId xmlns:a16="http://schemas.microsoft.com/office/drawing/2014/main" id="{CC765683-754C-4A45-A92F-5CA10A6503EE}"/>
+              </a:ext>
+            </a:extLst>
+          </p:cNvPr>
+          <p:cNvSpPr>
+            <a:spLocks noGrp="1"/>
+          </p:cNvSpPr>
+          <p:nvPr>
+            <p:ph type="sldNum" sz="quarter" idx="12"/>
+          </p:nvPr>
+        </p:nvSpPr>
+        <p:spPr/>
+        <p:txBody>
+          <a:bodyPr/>
+          <a:lstStyle/>
+          <a:p>
+            <a:fld id="{A6AF1B4E-90EC-4A51-B6E5-B702C054ECB0}" type="slidenum">
+              <a:rPr lang="en-US" smtClean="0"/>
+              <a:t>6</a:t>
+            </a:fld>
+            <a:endParaRPr lang="en-US" dirty="0"/>
+          </a:p>
+        </p:txBody>
+      </p:sp>
+    </p:spTree>
+    <p:extLst>
+      <p:ext uri="{BB962C8B-B14F-4D97-AF65-F5344CB8AC3E}">
+        <p14:creationId xmlns:p14="http://schemas.microsoft.com/office/powerpoint/2010/main" val="2976432415"/>
+      </p:ext>
+    </p:extLst>
+  </p:cSld>
+  <p:clrMapOvr>
+    <a:masterClrMapping/>
+  </p:clrMapOvr>
+</p:sld>
+</file>
+
+<file path=ppt/slides/slide7.xml><?xml version="1.0" encoding="utf-8"?>
 <p:sld xmlns:a="http://schemas.openxmlformats.org/drawingml/2006/main" xmlns:r="http://schemas.openxmlformats.org/officeDocument/2006/relationships" xmlns:p="http://schemas.openxmlformats.org/presentationml/2006/main">
   <p:cSld>
     <p:spTree>
@@ -52958,10 +53656,10 @@
       </p:sp>
       <p:sp>
         <p:nvSpPr>
-          <p:cNvPr id="5" name="Slide Number Placeholder 4">
+          <p:cNvPr id="6" name="Slide Number Placeholder 5">
             <a:extLst>
               <a:ext uri="{FF2B5EF4-FFF2-40B4-BE49-F238E27FC236}">
-                <a16:creationId xmlns:a16="http://schemas.microsoft.com/office/drawing/2014/main" id="{26336069-7ABE-48A4-847B-6F9F1D279636}"/>
+                <a16:creationId xmlns:a16="http://schemas.microsoft.com/office/drawing/2014/main" id="{9FBD533B-F8B4-4CBB-8527-9F7077DF42FA}"/>
               </a:ext>
             </a:extLst>
           </p:cNvPr>
@@ -52979,7 +53677,7 @@
           <a:p>
             <a:fld id="{A6AF1B4E-90EC-4A51-B6E5-B702C054ECB0}" type="slidenum">
               <a:rPr lang="en-US" smtClean="0"/>
-              <a:t>6</a:t>
+              <a:t>7</a:t>
             </a:fld>
             <a:endParaRPr lang="en-US" dirty="0"/>
           </a:p>
@@ -52998,7 +53696,7 @@
 </p:sld>
 </file>
 
-<file path=ppt/slides/slide7.xml><?xml version="1.0" encoding="utf-8"?>
+<file path=ppt/slides/slide8.xml><?xml version="1.0" encoding="utf-8"?>
 <p:sld xmlns:a="http://schemas.openxmlformats.org/drawingml/2006/main" xmlns:r="http://schemas.openxmlformats.org/officeDocument/2006/relationships" xmlns:p="http://schemas.openxmlformats.org/presentationml/2006/main">
   <p:cSld>
     <p:spTree>
@@ -53102,10 +53800,10 @@
       </p:sp>
       <p:sp>
         <p:nvSpPr>
-          <p:cNvPr id="5" name="Slide Number Placeholder 4">
+          <p:cNvPr id="6" name="Slide Number Placeholder 5">
             <a:extLst>
               <a:ext uri="{FF2B5EF4-FFF2-40B4-BE49-F238E27FC236}">
-                <a16:creationId xmlns:a16="http://schemas.microsoft.com/office/drawing/2014/main" id="{B22D0A61-ADD3-4F80-AE3B-D896A8D4609E}"/>
+                <a16:creationId xmlns:a16="http://schemas.microsoft.com/office/drawing/2014/main" id="{3F7E9CED-3FC2-4370-B7CE-122B6512B321}"/>
               </a:ext>
             </a:extLst>
           </p:cNvPr>
@@ -53123,7 +53821,7 @@
           <a:p>
             <a:fld id="{A6AF1B4E-90EC-4A51-B6E5-B702C054ECB0}" type="slidenum">
               <a:rPr lang="en-US" smtClean="0"/>
-              <a:t>7</a:t>
+              <a:t>8</a:t>
             </a:fld>
             <a:endParaRPr lang="en-US" dirty="0"/>
           </a:p>
@@ -53142,7 +53840,7 @@
 </p:sld>
 </file>
 
-<file path=ppt/slides/slide8.xml><?xml version="1.0" encoding="utf-8"?>
+<file path=ppt/slides/slide9.xml><?xml version="1.0" encoding="utf-8"?>
 <p:sld xmlns:a="http://schemas.openxmlformats.org/drawingml/2006/main" xmlns:r="http://schemas.openxmlformats.org/officeDocument/2006/relationships" xmlns:p="http://schemas.openxmlformats.org/presentationml/2006/main">
   <p:cSld>
     <p:spTree>
@@ -53273,157 +53971,10 @@
       </p:sp>
       <p:sp>
         <p:nvSpPr>
-          <p:cNvPr id="5" name="Slide Number Placeholder 4">
+          <p:cNvPr id="6" name="Slide Number Placeholder 5">
             <a:extLst>
               <a:ext uri="{FF2B5EF4-FFF2-40B4-BE49-F238E27FC236}">
-                <a16:creationId xmlns:a16="http://schemas.microsoft.com/office/drawing/2014/main" id="{0179F60A-A112-4CBC-8F69-EDDA175933E9}"/>
-              </a:ext>
-            </a:extLst>
-          </p:cNvPr>
-          <p:cNvSpPr>
-            <a:spLocks noGrp="1"/>
-          </p:cNvSpPr>
-          <p:nvPr>
-            <p:ph type="sldNum" sz="quarter" idx="12"/>
-          </p:nvPr>
-        </p:nvSpPr>
-        <p:spPr/>
-        <p:txBody>
-          <a:bodyPr/>
-          <a:lstStyle/>
-          <a:p>
-            <a:fld id="{A6AF1B4E-90EC-4A51-B6E5-B702C054ECB0}" type="slidenum">
-              <a:rPr lang="en-US" smtClean="0"/>
-              <a:t>8</a:t>
-            </a:fld>
-            <a:endParaRPr lang="en-US" dirty="0"/>
-          </a:p>
-        </p:txBody>
-      </p:sp>
-    </p:spTree>
-    <p:extLst>
-      <p:ext uri="{BB962C8B-B14F-4D97-AF65-F5344CB8AC3E}">
-        <p14:creationId xmlns:p14="http://schemas.microsoft.com/office/powerpoint/2010/main" val="1959584148"/>
-      </p:ext>
-    </p:extLst>
-  </p:cSld>
-  <p:clrMapOvr>
-    <a:masterClrMapping/>
-  </p:clrMapOvr>
-</p:sld>
-</file>
-
-<file path=ppt/slides/slide9.xml><?xml version="1.0" encoding="utf-8"?>
-<p:sld xmlns:a="http://schemas.openxmlformats.org/drawingml/2006/main" xmlns:r="http://schemas.openxmlformats.org/officeDocument/2006/relationships" xmlns:p="http://schemas.openxmlformats.org/presentationml/2006/main">
-  <p:cSld>
-    <p:spTree>
-      <p:nvGrpSpPr>
-        <p:cNvPr id="1" name=""/>
-        <p:cNvGrpSpPr/>
-        <p:nvPr/>
-      </p:nvGrpSpPr>
-      <p:grpSpPr>
-        <a:xfrm>
-          <a:off x="0" y="0"/>
-          <a:ext cx="0" cy="0"/>
-          <a:chOff x="0" y="0"/>
-          <a:chExt cx="0" cy="0"/>
-        </a:xfrm>
-      </p:grpSpPr>
-      <p:sp>
-        <p:nvSpPr>
-          <p:cNvPr id="2" name="Title 1">
-            <a:extLst>
-              <a:ext uri="{FF2B5EF4-FFF2-40B4-BE49-F238E27FC236}">
-                <a16:creationId xmlns:a16="http://schemas.microsoft.com/office/drawing/2014/main" id="{D2ED46BD-0D98-43ED-BAB5-5A46B1F40219}"/>
-              </a:ext>
-            </a:extLst>
-          </p:cNvPr>
-          <p:cNvSpPr>
-            <a:spLocks noGrp="1"/>
-          </p:cNvSpPr>
-          <p:nvPr>
-            <p:ph type="title"/>
-          </p:nvPr>
-        </p:nvSpPr>
-        <p:spPr/>
-        <p:txBody>
-          <a:bodyPr/>
-          <a:lstStyle/>
-          <a:p>
-            <a:r>
-              <a:rPr lang="en-US" dirty="0"/>
-              <a:t>Focus Group</a:t>
-            </a:r>
-          </a:p>
-        </p:txBody>
-      </p:sp>
-      <p:sp>
-        <p:nvSpPr>
-          <p:cNvPr id="3" name="Content Placeholder 2">
-            <a:extLst>
-              <a:ext uri="{FF2B5EF4-FFF2-40B4-BE49-F238E27FC236}">
-                <a16:creationId xmlns:a16="http://schemas.microsoft.com/office/drawing/2014/main" id="{E28447E7-0348-4B19-A6F2-60A42A4127C5}"/>
-              </a:ext>
-            </a:extLst>
-          </p:cNvPr>
-          <p:cNvSpPr>
-            <a:spLocks noGrp="1"/>
-          </p:cNvSpPr>
-          <p:nvPr>
-            <p:ph idx="1"/>
-          </p:nvPr>
-        </p:nvSpPr>
-        <p:spPr/>
-        <p:txBody>
-          <a:bodyPr/>
-          <a:lstStyle/>
-          <a:p>
-            <a:r>
-              <a:rPr lang="en-US" dirty="0"/>
-              <a:t>An interview conduct among a small number of individuals small number of individuals simultaneously; the interview relies more on group discussion than on directed questions to generate data</a:t>
-            </a:r>
-          </a:p>
-          <a:p>
-            <a:endParaRPr lang="en-US" dirty="0"/>
-          </a:p>
-        </p:txBody>
-      </p:sp>
-      <p:sp>
-        <p:nvSpPr>
-          <p:cNvPr id="4" name="Footer Placeholder 3">
-            <a:extLst>
-              <a:ext uri="{FF2B5EF4-FFF2-40B4-BE49-F238E27FC236}">
-                <a16:creationId xmlns:a16="http://schemas.microsoft.com/office/drawing/2014/main" id="{79016014-C63E-4A9C-8BF9-9AAAF5ED6595}"/>
-              </a:ext>
-            </a:extLst>
-          </p:cNvPr>
-          <p:cNvSpPr>
-            <a:spLocks noGrp="1"/>
-          </p:cNvSpPr>
-          <p:nvPr>
-            <p:ph type="ftr" sz="quarter" idx="11"/>
-          </p:nvPr>
-        </p:nvSpPr>
-        <p:spPr/>
-        <p:txBody>
-          <a:bodyPr/>
-          <a:lstStyle/>
-          <a:p>
-            <a:r>
-              <a:rPr lang="en-US"/>
-              <a:t>Mike Nguyen</a:t>
-            </a:r>
-            <a:endParaRPr lang="en-US" dirty="0"/>
-          </a:p>
-        </p:txBody>
-      </p:sp>
-      <p:sp>
-        <p:nvSpPr>
-          <p:cNvPr id="5" name="Slide Number Placeholder 4">
-            <a:extLst>
-              <a:ext uri="{FF2B5EF4-FFF2-40B4-BE49-F238E27FC236}">
-                <a16:creationId xmlns:a16="http://schemas.microsoft.com/office/drawing/2014/main" id="{C61F2AC5-E9E1-4A82-B96E-0C7CE1DB12C6}"/>
+                <a16:creationId xmlns:a16="http://schemas.microsoft.com/office/drawing/2014/main" id="{2A9A1BF7-3FFA-46A1-9D94-6A60703FEE89}"/>
               </a:ext>
             </a:extLst>
           </p:cNvPr>
@@ -53450,7 +54001,7 @@
     </p:spTree>
     <p:extLst>
       <p:ext uri="{BB962C8B-B14F-4D97-AF65-F5344CB8AC3E}">
-        <p14:creationId xmlns:p14="http://schemas.microsoft.com/office/powerpoint/2010/main" val="2314287935"/>
+        <p14:creationId xmlns:p14="http://schemas.microsoft.com/office/powerpoint/2010/main" val="1959584148"/>
       </p:ext>
     </p:extLst>
   </p:cSld>
@@ -54346,14 +54897,6 @@
 </file>
 
 <file path=customXml/item1.xml><?xml version="1.0" encoding="utf-8"?>
-<p:properties xmlns:p="http://schemas.microsoft.com/office/2006/metadata/properties" xmlns:xsi="http://www.w3.org/2001/XMLSchema-instance" xmlns:pc="http://schemas.microsoft.com/office/infopath/2007/PartnerControls">
-  <documentManagement>
-    <MediaServiceKeyPoints xmlns="71af3243-3dd4-4a8d-8c0d-dd76da1f02a5" xsi:nil="true"/>
-  </documentManagement>
-</p:properties>
-</file>
-
-<file path=customXml/item2.xml><?xml version="1.0" encoding="utf-8"?>
 <?mso-contentType ?>
 <FormTemplates xmlns="http://schemas.microsoft.com/sharepoint/v3/contenttype/forms">
   <Display>DocumentLibraryForm</Display>
@@ -54362,7 +54905,7 @@
 </FormTemplates>
 </file>
 
-<file path=customXml/item3.xml><?xml version="1.0" encoding="utf-8"?>
+<file path=customXml/item2.xml><?xml version="1.0" encoding="utf-8"?>
 <ct:contentTypeSchema xmlns:ct="http://schemas.microsoft.com/office/2006/metadata/contentType" xmlns:ma="http://schemas.microsoft.com/office/2006/metadata/properties/metaAttributes" ct:_="" ma:_="" ma:contentTypeName="Document" ma:contentTypeID="0x01010079F111ED35F8CC479449609E8A0923A6" ma:contentTypeVersion="11" ma:contentTypeDescription="Create a new document." ma:contentTypeScope="" ma:versionID="96291512c1ee715ab617f4c07df79fc1">
   <xsd:schema xmlns:xsd="http://www.w3.org/2001/XMLSchema" xmlns:xs="http://www.w3.org/2001/XMLSchema" xmlns:p="http://schemas.microsoft.com/office/2006/metadata/properties" xmlns:ns2="71af3243-3dd4-4a8d-8c0d-dd76da1f02a5" xmlns:ns3="16c05727-aa75-4e4a-9b5f-8a80a1165891" targetNamespace="http://schemas.microsoft.com/office/2006/metadata/properties" ma:root="true" ma:fieldsID="8256c27c40ca5c40ce1cf6c44f0205df" ns2:_="" ns3:_="">
     <xsd:import namespace="71af3243-3dd4-4a8d-8c0d-dd76da1f02a5"/>
@@ -54573,17 +55116,15 @@
 </ct:contentTypeSchema>
 </file>
 
-<file path=customXml/itemProps1.xml><?xml version="1.0" encoding="utf-8"?>
-<ds:datastoreItem xmlns:ds="http://schemas.openxmlformats.org/officeDocument/2006/customXml" ds:itemID="{03C7D9E6-B0D9-433E-BD46-EB60F64F4DA8}">
-  <ds:schemaRefs>
-    <ds:schemaRef ds:uri="http://schemas.microsoft.com/office/2006/metadata/properties"/>
-    <ds:schemaRef ds:uri="http://schemas.microsoft.com/office/infopath/2007/PartnerControls"/>
-    <ds:schemaRef ds:uri="71af3243-3dd4-4a8d-8c0d-dd76da1f02a5"/>
-  </ds:schemaRefs>
-</ds:datastoreItem>
+<file path=customXml/item3.xml><?xml version="1.0" encoding="utf-8"?>
+<p:properties xmlns:p="http://schemas.microsoft.com/office/2006/metadata/properties" xmlns:xsi="http://www.w3.org/2001/XMLSchema-instance" xmlns:pc="http://schemas.microsoft.com/office/infopath/2007/PartnerControls">
+  <documentManagement>
+    <MediaServiceKeyPoints xmlns="71af3243-3dd4-4a8d-8c0d-dd76da1f02a5" xsi:nil="true"/>
+  </documentManagement>
+</p:properties>
 </file>
 
-<file path=customXml/itemProps2.xml><?xml version="1.0" encoding="utf-8"?>
+<file path=customXml/itemProps1.xml><?xml version="1.0" encoding="utf-8"?>
 <ds:datastoreItem xmlns:ds="http://schemas.openxmlformats.org/officeDocument/2006/customXml" ds:itemID="{5CA875DA-F9FD-4F83-A049-3B1027B542DE}">
   <ds:schemaRefs>
     <ds:schemaRef ds:uri="http://schemas.microsoft.com/sharepoint/v3/contenttype/forms"/>
@@ -54591,7 +55132,7 @@
 </ds:datastoreItem>
 </file>
 
-<file path=customXml/itemProps3.xml><?xml version="1.0" encoding="utf-8"?>
+<file path=customXml/itemProps2.xml><?xml version="1.0" encoding="utf-8"?>
 <ds:datastoreItem xmlns:ds="http://schemas.openxmlformats.org/officeDocument/2006/customXml" ds:itemID="{B2AB02E3-5ADF-4BF0-9C1B-35CDF3FE95B0}">
   <ds:schemaRefs>
     <ds:schemaRef ds:uri="http://schemas.microsoft.com/office/2006/metadata/contentType"/>
@@ -54608,4 +55149,14 @@
     <ds:schemaRef ds:uri="http://schemas.microsoft.com/internal/obd"/>
   </ds:schemaRefs>
 </ds:datastoreItem>
+</file>
+
+<file path=customXml/itemProps3.xml><?xml version="1.0" encoding="utf-8"?>
+<ds:datastoreItem xmlns:ds="http://schemas.openxmlformats.org/officeDocument/2006/customXml" ds:itemID="{03C7D9E6-B0D9-433E-BD46-EB60F64F4DA8}">
+  <ds:schemaRefs>
+    <ds:schemaRef ds:uri="http://schemas.microsoft.com/office/2006/metadata/properties"/>
+    <ds:schemaRef ds:uri="http://schemas.microsoft.com/office/infopath/2007/PartnerControls"/>
+    <ds:schemaRef ds:uri="71af3243-3dd4-4a8d-8c0d-dd76da1f02a5"/>
+  </ds:schemaRefs>
+</ds:datastoreItem>
 </file>